--- a/Presentation.pptx
+++ b/Presentation.pptx
@@ -18,6 +18,11 @@
     <p:sldId id="266" r:id="rId12"/>
     <p:sldId id="268" r:id="rId13"/>
     <p:sldId id="269" r:id="rId14"/>
+    <p:sldId id="271" r:id="rId15"/>
+    <p:sldId id="270" r:id="rId16"/>
+    <p:sldId id="272" r:id="rId17"/>
+    <p:sldId id="273" r:id="rId18"/>
+    <p:sldId id="274" r:id="rId19"/>
   </p:sldIdLst>
   <p:sldSz cx="12192000" cy="6858000"/>
   <p:notesSz cx="6858000" cy="9144000"/>
@@ -127,13 +132,494 @@
 <file path=ppt/revisionInfo.xml><?xml version="1.0" encoding="utf-8"?>
 <p1510:revInfo xmlns:a="http://schemas.openxmlformats.org/drawingml/2006/main" xmlns:r="http://schemas.openxmlformats.org/officeDocument/2006/relationships" xmlns:p1510="http://schemas.microsoft.com/office/powerpoint/2015/10/main">
   <p1510:revLst>
-    <p1510:client id="{DFA44EB6-5255-42A0-8412-A0A038F75A4F}" v="1139" dt="2023-06-10T21:33:39.022"/>
+    <p1510:client id="{5C16A9D0-FEC3-41DA-9DDE-7AA7CEF6BCBC}" v="284" dt="2023-06-11T18:36:09.734"/>
+    <p1510:client id="{DFA44EB6-5255-42A0-8412-A0A038F75A4F}" v="1140" dt="2023-06-10T22:01:37.373"/>
+    <p1510:client id="{FE185132-7765-4471-898F-5817E8BE813C}" v="61" dt="2023-06-11T19:00:32.590"/>
   </p1510:revLst>
 </p1510:revInfo>
 </file>
 
 <file path=ppt/changesInfos/changesInfo1.xml><?xml version="1.0" encoding="utf-8"?>
 <pc:chgInfo xmlns:a="http://schemas.openxmlformats.org/drawingml/2006/main" xmlns:r="http://schemas.openxmlformats.org/officeDocument/2006/relationships" xmlns:ac="http://schemas.microsoft.com/office/drawing/2013/main/command" xmlns:pc="http://schemas.microsoft.com/office/powerpoint/2013/main/command">
+  <pc:docChgLst>
+    <pc:chgData name="Yaze Kuroichi" userId="719e80d437ae0b70" providerId="Windows Live" clId="Web-{FE185132-7765-4471-898F-5817E8BE813C}"/>
+    <pc:docChg chg="modSld sldOrd">
+      <pc:chgData name="Yaze Kuroichi" userId="719e80d437ae0b70" providerId="Windows Live" clId="Web-{FE185132-7765-4471-898F-5817E8BE813C}" dt="2023-06-11T19:00:32.590" v="60" actId="20577"/>
+      <pc:docMkLst>
+        <pc:docMk/>
+      </pc:docMkLst>
+      <pc:sldChg chg="modSp">
+        <pc:chgData name="Yaze Kuroichi" userId="719e80d437ae0b70" providerId="Windows Live" clId="Web-{FE185132-7765-4471-898F-5817E8BE813C}" dt="2023-06-11T19:00:32.590" v="60" actId="20577"/>
+        <pc:sldMkLst>
+          <pc:docMk/>
+          <pc:sldMk cId="2708614208" sldId="258"/>
+        </pc:sldMkLst>
+        <pc:spChg chg="mod">
+          <ac:chgData name="Yaze Kuroichi" userId="719e80d437ae0b70" providerId="Windows Live" clId="Web-{FE185132-7765-4471-898F-5817E8BE813C}" dt="2023-06-11T19:00:32.590" v="60" actId="20577"/>
+          <ac:spMkLst>
+            <pc:docMk/>
+            <pc:sldMk cId="2708614208" sldId="258"/>
+            <ac:spMk id="3" creationId="{6AEB14FB-F647-F1DF-DAD2-EE3033C582E4}"/>
+          </ac:spMkLst>
+        </pc:spChg>
+      </pc:sldChg>
+      <pc:sldChg chg="modSp">
+        <pc:chgData name="Yaze Kuroichi" userId="719e80d437ae0b70" providerId="Windows Live" clId="Web-{FE185132-7765-4471-898F-5817E8BE813C}" dt="2023-06-11T18:50:09.889" v="56" actId="20577"/>
+        <pc:sldMkLst>
+          <pc:docMk/>
+          <pc:sldMk cId="3259009068" sldId="269"/>
+        </pc:sldMkLst>
+        <pc:spChg chg="mod">
+          <ac:chgData name="Yaze Kuroichi" userId="719e80d437ae0b70" providerId="Windows Live" clId="Web-{FE185132-7765-4471-898F-5817E8BE813C}" dt="2023-06-11T18:50:09.889" v="56" actId="20577"/>
+          <ac:spMkLst>
+            <pc:docMk/>
+            <pc:sldMk cId="3259009068" sldId="269"/>
+            <ac:spMk id="3" creationId="{4C18ACD9-491F-A3B0-C728-7D155BCADB94}"/>
+          </ac:spMkLst>
+        </pc:spChg>
+      </pc:sldChg>
+      <pc:sldChg chg="ord">
+        <pc:chgData name="Yaze Kuroichi" userId="719e80d437ae0b70" providerId="Windows Live" clId="Web-{FE185132-7765-4471-898F-5817E8BE813C}" dt="2023-06-11T18:50:13.311" v="57"/>
+        <pc:sldMkLst>
+          <pc:docMk/>
+          <pc:sldMk cId="1769424581" sldId="271"/>
+        </pc:sldMkLst>
+      </pc:sldChg>
+    </pc:docChg>
+  </pc:docChgLst>
+  <pc:docChgLst>
+    <pc:chgData name="Yaze Kuroichi" userId="719e80d437ae0b70" providerId="Windows Live" clId="Web-{5C16A9D0-FEC3-41DA-9DDE-7AA7CEF6BCBC}"/>
+    <pc:docChg chg="addSld delSld modSld sldOrd">
+      <pc:chgData name="Yaze Kuroichi" userId="719e80d437ae0b70" providerId="Windows Live" clId="Web-{5C16A9D0-FEC3-41DA-9DDE-7AA7CEF6BCBC}" dt="2023-06-11T18:43:40.049" v="280"/>
+      <pc:docMkLst>
+        <pc:docMk/>
+      </pc:docMkLst>
+      <pc:sldChg chg="modSp">
+        <pc:chgData name="Yaze Kuroichi" userId="719e80d437ae0b70" providerId="Windows Live" clId="Web-{5C16A9D0-FEC3-41DA-9DDE-7AA7CEF6BCBC}" dt="2023-06-11T17:08:33.566" v="6" actId="20577"/>
+        <pc:sldMkLst>
+          <pc:docMk/>
+          <pc:sldMk cId="736908137" sldId="268"/>
+        </pc:sldMkLst>
+        <pc:spChg chg="mod">
+          <ac:chgData name="Yaze Kuroichi" userId="719e80d437ae0b70" providerId="Windows Live" clId="Web-{5C16A9D0-FEC3-41DA-9DDE-7AA7CEF6BCBC}" dt="2023-06-11T17:08:33.566" v="6" actId="20577"/>
+          <ac:spMkLst>
+            <pc:docMk/>
+            <pc:sldMk cId="736908137" sldId="268"/>
+            <ac:spMk id="3" creationId="{8F58B691-6118-236E-56D3-2BC740AD9BA7}"/>
+          </ac:spMkLst>
+        </pc:spChg>
+      </pc:sldChg>
+      <pc:sldChg chg="addSp delSp modSp">
+        <pc:chgData name="Yaze Kuroichi" userId="719e80d437ae0b70" providerId="Windows Live" clId="Web-{5C16A9D0-FEC3-41DA-9DDE-7AA7CEF6BCBC}" dt="2023-06-11T17:21:57.113" v="121"/>
+        <pc:sldMkLst>
+          <pc:docMk/>
+          <pc:sldMk cId="3259009068" sldId="269"/>
+        </pc:sldMkLst>
+        <pc:spChg chg="mod">
+          <ac:chgData name="Yaze Kuroichi" userId="719e80d437ae0b70" providerId="Windows Live" clId="Web-{5C16A9D0-FEC3-41DA-9DDE-7AA7CEF6BCBC}" dt="2023-06-11T17:21:57.113" v="121"/>
+          <ac:spMkLst>
+            <pc:docMk/>
+            <pc:sldMk cId="3259009068" sldId="269"/>
+            <ac:spMk id="2" creationId="{5C3ED38D-D1FF-99BE-5D8D-C69A77FE6FE7}"/>
+          </ac:spMkLst>
+        </pc:spChg>
+        <pc:spChg chg="mod">
+          <ac:chgData name="Yaze Kuroichi" userId="719e80d437ae0b70" providerId="Windows Live" clId="Web-{5C16A9D0-FEC3-41DA-9DDE-7AA7CEF6BCBC}" dt="2023-06-11T17:21:57.113" v="121"/>
+          <ac:spMkLst>
+            <pc:docMk/>
+            <pc:sldMk cId="3259009068" sldId="269"/>
+            <ac:spMk id="3" creationId="{4C18ACD9-491F-A3B0-C728-7D155BCADB94}"/>
+          </ac:spMkLst>
+        </pc:spChg>
+        <pc:spChg chg="add del">
+          <ac:chgData name="Yaze Kuroichi" userId="719e80d437ae0b70" providerId="Windows Live" clId="Web-{5C16A9D0-FEC3-41DA-9DDE-7AA7CEF6BCBC}" dt="2023-06-11T17:21:57.113" v="121"/>
+          <ac:spMkLst>
+            <pc:docMk/>
+            <pc:sldMk cId="3259009068" sldId="269"/>
+            <ac:spMk id="8" creationId="{100EDD19-6802-4EC3-95CE-CFFAB042CFD6}"/>
+          </ac:spMkLst>
+        </pc:spChg>
+        <pc:spChg chg="add del">
+          <ac:chgData name="Yaze Kuroichi" userId="719e80d437ae0b70" providerId="Windows Live" clId="Web-{5C16A9D0-FEC3-41DA-9DDE-7AA7CEF6BCBC}" dt="2023-06-11T17:21:57.113" v="121"/>
+          <ac:spMkLst>
+            <pc:docMk/>
+            <pc:sldMk cId="3259009068" sldId="269"/>
+            <ac:spMk id="10" creationId="{DB17E863-922E-4C26-BD64-E8FD41D28661}"/>
+          </ac:spMkLst>
+        </pc:spChg>
+        <pc:spChg chg="add del">
+          <ac:chgData name="Yaze Kuroichi" userId="719e80d437ae0b70" providerId="Windows Live" clId="Web-{5C16A9D0-FEC3-41DA-9DDE-7AA7CEF6BCBC}" dt="2023-06-11T17:21:57.113" v="120"/>
+          <ac:spMkLst>
+            <pc:docMk/>
+            <pc:sldMk cId="3259009068" sldId="269"/>
+            <ac:spMk id="15" creationId="{B6CDA21F-E7AF-4C75-8395-33F58D5B0E45}"/>
+          </ac:spMkLst>
+        </pc:spChg>
+        <pc:spChg chg="add del">
+          <ac:chgData name="Yaze Kuroichi" userId="719e80d437ae0b70" providerId="Windows Live" clId="Web-{5C16A9D0-FEC3-41DA-9DDE-7AA7CEF6BCBC}" dt="2023-06-11T17:21:57.113" v="120"/>
+          <ac:spMkLst>
+            <pc:docMk/>
+            <pc:sldMk cId="3259009068" sldId="269"/>
+            <ac:spMk id="22" creationId="{D5B0017B-2ECA-49AF-B397-DC140825DF8D}"/>
+          </ac:spMkLst>
+        </pc:spChg>
+        <pc:spChg chg="add">
+          <ac:chgData name="Yaze Kuroichi" userId="719e80d437ae0b70" providerId="Windows Live" clId="Web-{5C16A9D0-FEC3-41DA-9DDE-7AA7CEF6BCBC}" dt="2023-06-11T17:21:57.113" v="121"/>
+          <ac:spMkLst>
+            <pc:docMk/>
+            <pc:sldMk cId="3259009068" sldId="269"/>
+            <ac:spMk id="26" creationId="{777A147A-9ED8-46B4-8660-1B3C2AA880B5}"/>
+          </ac:spMkLst>
+        </pc:spChg>
+        <pc:spChg chg="add">
+          <ac:chgData name="Yaze Kuroichi" userId="719e80d437ae0b70" providerId="Windows Live" clId="Web-{5C16A9D0-FEC3-41DA-9DDE-7AA7CEF6BCBC}" dt="2023-06-11T17:21:57.113" v="121"/>
+          <ac:spMkLst>
+            <pc:docMk/>
+            <pc:sldMk cId="3259009068" sldId="269"/>
+            <ac:spMk id="27" creationId="{5D6C15A0-C087-4593-8414-2B4EC1CDC3DE}"/>
+          </ac:spMkLst>
+        </pc:spChg>
+        <pc:grpChg chg="add del">
+          <ac:chgData name="Yaze Kuroichi" userId="719e80d437ae0b70" providerId="Windows Live" clId="Web-{5C16A9D0-FEC3-41DA-9DDE-7AA7CEF6BCBC}" dt="2023-06-11T17:21:57.113" v="120"/>
+          <ac:grpSpMkLst>
+            <pc:docMk/>
+            <pc:sldMk cId="3259009068" sldId="269"/>
+            <ac:grpSpMk id="17" creationId="{AE1C45F0-260A-458C-96ED-C1F6D2151219}"/>
+          </ac:grpSpMkLst>
+        </pc:grpChg>
+        <pc:cxnChg chg="add del">
+          <ac:chgData name="Yaze Kuroichi" userId="719e80d437ae0b70" providerId="Windows Live" clId="Web-{5C16A9D0-FEC3-41DA-9DDE-7AA7CEF6BCBC}" dt="2023-06-11T17:21:57.113" v="120"/>
+          <ac:cxnSpMkLst>
+            <pc:docMk/>
+            <pc:sldMk cId="3259009068" sldId="269"/>
+            <ac:cxnSpMk id="24" creationId="{6CF1BAF6-AD41-4082-B212-8A1F9A2E8779}"/>
+          </ac:cxnSpMkLst>
+        </pc:cxnChg>
+      </pc:sldChg>
+      <pc:sldChg chg="modSp new del">
+        <pc:chgData name="Yaze Kuroichi" userId="719e80d437ae0b70" providerId="Windows Live" clId="Web-{5C16A9D0-FEC3-41DA-9DDE-7AA7CEF6BCBC}" dt="2023-06-11T17:36:15.257" v="127"/>
+        <pc:sldMkLst>
+          <pc:docMk/>
+          <pc:sldMk cId="3270982419" sldId="270"/>
+        </pc:sldMkLst>
+        <pc:spChg chg="mod">
+          <ac:chgData name="Yaze Kuroichi" userId="719e80d437ae0b70" providerId="Windows Live" clId="Web-{5C16A9D0-FEC3-41DA-9DDE-7AA7CEF6BCBC}" dt="2023-06-11T17:36:14.913" v="126" actId="20577"/>
+          <ac:spMkLst>
+            <pc:docMk/>
+            <pc:sldMk cId="3270982419" sldId="270"/>
+            <ac:spMk id="2" creationId="{384C4A7B-867B-ACB7-67F5-C595F4AA77F4}"/>
+          </ac:spMkLst>
+        </pc:spChg>
+      </pc:sldChg>
+      <pc:sldChg chg="addSp modSp new mod setBg">
+        <pc:chgData name="Yaze Kuroichi" userId="719e80d437ae0b70" providerId="Windows Live" clId="Web-{5C16A9D0-FEC3-41DA-9DDE-7AA7CEF6BCBC}" dt="2023-06-11T17:40:09.969" v="174"/>
+        <pc:sldMkLst>
+          <pc:docMk/>
+          <pc:sldMk cId="4292976077" sldId="270"/>
+        </pc:sldMkLst>
+        <pc:spChg chg="mod">
+          <ac:chgData name="Yaze Kuroichi" userId="719e80d437ae0b70" providerId="Windows Live" clId="Web-{5C16A9D0-FEC3-41DA-9DDE-7AA7CEF6BCBC}" dt="2023-06-11T17:40:09.969" v="174"/>
+          <ac:spMkLst>
+            <pc:docMk/>
+            <pc:sldMk cId="4292976077" sldId="270"/>
+            <ac:spMk id="2" creationId="{AF2EB1BB-D4D8-88F7-F9AC-493D5937C78A}"/>
+          </ac:spMkLst>
+        </pc:spChg>
+        <pc:spChg chg="mod">
+          <ac:chgData name="Yaze Kuroichi" userId="719e80d437ae0b70" providerId="Windows Live" clId="Web-{5C16A9D0-FEC3-41DA-9DDE-7AA7CEF6BCBC}" dt="2023-06-11T17:40:09.969" v="174"/>
+          <ac:spMkLst>
+            <pc:docMk/>
+            <pc:sldMk cId="4292976077" sldId="270"/>
+            <ac:spMk id="3" creationId="{9A4299C8-3497-6476-1EB4-8A01629BF317}"/>
+          </ac:spMkLst>
+        </pc:spChg>
+        <pc:spChg chg="add">
+          <ac:chgData name="Yaze Kuroichi" userId="719e80d437ae0b70" providerId="Windows Live" clId="Web-{5C16A9D0-FEC3-41DA-9DDE-7AA7CEF6BCBC}" dt="2023-06-11T17:40:09.969" v="174"/>
+          <ac:spMkLst>
+            <pc:docMk/>
+            <pc:sldMk cId="4292976077" sldId="270"/>
+            <ac:spMk id="8" creationId="{B6CDA21F-E7AF-4C75-8395-33F58D5B0E45}"/>
+          </ac:spMkLst>
+        </pc:spChg>
+        <pc:spChg chg="add">
+          <ac:chgData name="Yaze Kuroichi" userId="719e80d437ae0b70" providerId="Windows Live" clId="Web-{5C16A9D0-FEC3-41DA-9DDE-7AA7CEF6BCBC}" dt="2023-06-11T17:40:09.969" v="174"/>
+          <ac:spMkLst>
+            <pc:docMk/>
+            <pc:sldMk cId="4292976077" sldId="270"/>
+            <ac:spMk id="15" creationId="{D5B0017B-2ECA-49AF-B397-DC140825DF8D}"/>
+          </ac:spMkLst>
+        </pc:spChg>
+        <pc:grpChg chg="add">
+          <ac:chgData name="Yaze Kuroichi" userId="719e80d437ae0b70" providerId="Windows Live" clId="Web-{5C16A9D0-FEC3-41DA-9DDE-7AA7CEF6BCBC}" dt="2023-06-11T17:40:09.969" v="174"/>
+          <ac:grpSpMkLst>
+            <pc:docMk/>
+            <pc:sldMk cId="4292976077" sldId="270"/>
+            <ac:grpSpMk id="10" creationId="{AE1C45F0-260A-458C-96ED-C1F6D2151219}"/>
+          </ac:grpSpMkLst>
+        </pc:grpChg>
+        <pc:cxnChg chg="add">
+          <ac:chgData name="Yaze Kuroichi" userId="719e80d437ae0b70" providerId="Windows Live" clId="Web-{5C16A9D0-FEC3-41DA-9DDE-7AA7CEF6BCBC}" dt="2023-06-11T17:40:09.969" v="174"/>
+          <ac:cxnSpMkLst>
+            <pc:docMk/>
+            <pc:sldMk cId="4292976077" sldId="270"/>
+            <ac:cxnSpMk id="17" creationId="{6CF1BAF6-AD41-4082-B212-8A1F9A2E8779}"/>
+          </ac:cxnSpMkLst>
+        </pc:cxnChg>
+      </pc:sldChg>
+      <pc:sldChg chg="addSp delSp modSp new mod ord setBg">
+        <pc:chgData name="Yaze Kuroichi" userId="719e80d437ae0b70" providerId="Windows Live" clId="Web-{5C16A9D0-FEC3-41DA-9DDE-7AA7CEF6BCBC}" dt="2023-06-11T17:42:26.037" v="183"/>
+        <pc:sldMkLst>
+          <pc:docMk/>
+          <pc:sldMk cId="1769424581" sldId="271"/>
+        </pc:sldMkLst>
+        <pc:spChg chg="del">
+          <ac:chgData name="Yaze Kuroichi" userId="719e80d437ae0b70" providerId="Windows Live" clId="Web-{5C16A9D0-FEC3-41DA-9DDE-7AA7CEF6BCBC}" dt="2023-06-11T17:42:22.209" v="182"/>
+          <ac:spMkLst>
+            <pc:docMk/>
+            <pc:sldMk cId="1769424581" sldId="271"/>
+            <ac:spMk id="2" creationId="{E5963709-65A1-DA37-CDB5-CBE7AC2AB875}"/>
+          </ac:spMkLst>
+        </pc:spChg>
+        <pc:spChg chg="del">
+          <ac:chgData name="Yaze Kuroichi" userId="719e80d437ae0b70" providerId="Windows Live" clId="Web-{5C16A9D0-FEC3-41DA-9DDE-7AA7CEF6BCBC}" dt="2023-06-11T17:42:04.318" v="177"/>
+          <ac:spMkLst>
+            <pc:docMk/>
+            <pc:sldMk cId="1769424581" sldId="271"/>
+            <ac:spMk id="3" creationId="{6D7ED7A2-9115-EF05-F52B-C1C502E6E53B}"/>
+          </ac:spMkLst>
+        </pc:spChg>
+        <pc:spChg chg="add">
+          <ac:chgData name="Yaze Kuroichi" userId="719e80d437ae0b70" providerId="Windows Live" clId="Web-{5C16A9D0-FEC3-41DA-9DDE-7AA7CEF6BCBC}" dt="2023-06-11T17:42:26.037" v="183"/>
+          <ac:spMkLst>
+            <pc:docMk/>
+            <pc:sldMk cId="1769424581" sldId="271"/>
+            <ac:spMk id="9" creationId="{F3060C83-F051-4F0E-ABAD-AA0DFC48B218}"/>
+          </ac:spMkLst>
+        </pc:spChg>
+        <pc:spChg chg="add">
+          <ac:chgData name="Yaze Kuroichi" userId="719e80d437ae0b70" providerId="Windows Live" clId="Web-{5C16A9D0-FEC3-41DA-9DDE-7AA7CEF6BCBC}" dt="2023-06-11T17:42:26.037" v="183"/>
+          <ac:spMkLst>
+            <pc:docMk/>
+            <pc:sldMk cId="1769424581" sldId="271"/>
+            <ac:spMk id="11" creationId="{83C98ABE-055B-441F-B07E-44F97F083C39}"/>
+          </ac:spMkLst>
+        </pc:spChg>
+        <pc:spChg chg="add">
+          <ac:chgData name="Yaze Kuroichi" userId="719e80d437ae0b70" providerId="Windows Live" clId="Web-{5C16A9D0-FEC3-41DA-9DDE-7AA7CEF6BCBC}" dt="2023-06-11T17:42:26.037" v="183"/>
+          <ac:spMkLst>
+            <pc:docMk/>
+            <pc:sldMk cId="1769424581" sldId="271"/>
+            <ac:spMk id="13" creationId="{29FDB030-9B49-4CED-8CCD-4D99382388AC}"/>
+          </ac:spMkLst>
+        </pc:spChg>
+        <pc:spChg chg="add">
+          <ac:chgData name="Yaze Kuroichi" userId="719e80d437ae0b70" providerId="Windows Live" clId="Web-{5C16A9D0-FEC3-41DA-9DDE-7AA7CEF6BCBC}" dt="2023-06-11T17:42:26.037" v="183"/>
+          <ac:spMkLst>
+            <pc:docMk/>
+            <pc:sldMk cId="1769424581" sldId="271"/>
+            <ac:spMk id="15" creationId="{3783CA14-24A1-485C-8B30-D6A5D87987AD}"/>
+          </ac:spMkLst>
+        </pc:spChg>
+        <pc:spChg chg="add">
+          <ac:chgData name="Yaze Kuroichi" userId="719e80d437ae0b70" providerId="Windows Live" clId="Web-{5C16A9D0-FEC3-41DA-9DDE-7AA7CEF6BCBC}" dt="2023-06-11T17:42:26.037" v="183"/>
+          <ac:spMkLst>
+            <pc:docMk/>
+            <pc:sldMk cId="1769424581" sldId="271"/>
+            <ac:spMk id="17" creationId="{9A97C86A-04D6-40F7-AE84-31AB43E6A846}"/>
+          </ac:spMkLst>
+        </pc:spChg>
+        <pc:spChg chg="add">
+          <ac:chgData name="Yaze Kuroichi" userId="719e80d437ae0b70" providerId="Windows Live" clId="Web-{5C16A9D0-FEC3-41DA-9DDE-7AA7CEF6BCBC}" dt="2023-06-11T17:42:26.037" v="183"/>
+          <ac:spMkLst>
+            <pc:docMk/>
+            <pc:sldMk cId="1769424581" sldId="271"/>
+            <ac:spMk id="19" creationId="{FF9F2414-84E8-453E-B1F3-389FDE8192D9}"/>
+          </ac:spMkLst>
+        </pc:spChg>
+        <pc:spChg chg="add">
+          <ac:chgData name="Yaze Kuroichi" userId="719e80d437ae0b70" providerId="Windows Live" clId="Web-{5C16A9D0-FEC3-41DA-9DDE-7AA7CEF6BCBC}" dt="2023-06-11T17:42:26.037" v="183"/>
+          <ac:spMkLst>
+            <pc:docMk/>
+            <pc:sldMk cId="1769424581" sldId="271"/>
+            <ac:spMk id="21" creationId="{3ECA69A1-7536-43AC-85EF-C7106179F5ED}"/>
+          </ac:spMkLst>
+        </pc:spChg>
+        <pc:picChg chg="add mod ord">
+          <ac:chgData name="Yaze Kuroichi" userId="719e80d437ae0b70" providerId="Windows Live" clId="Web-{5C16A9D0-FEC3-41DA-9DDE-7AA7CEF6BCBC}" dt="2023-06-11T17:42:26.037" v="183"/>
+          <ac:picMkLst>
+            <pc:docMk/>
+            <pc:sldMk cId="1769424581" sldId="271"/>
+            <ac:picMk id="4" creationId="{1D05C275-5414-E0B6-0888-9C66A75A2C7C}"/>
+          </ac:picMkLst>
+        </pc:picChg>
+      </pc:sldChg>
+      <pc:sldChg chg="addSp modSp new">
+        <pc:chgData name="Yaze Kuroichi" userId="719e80d437ae0b70" providerId="Windows Live" clId="Web-{5C16A9D0-FEC3-41DA-9DDE-7AA7CEF6BCBC}" dt="2023-06-11T18:17:36.601" v="252" actId="1076"/>
+        <pc:sldMkLst>
+          <pc:docMk/>
+          <pc:sldMk cId="3045214150" sldId="272"/>
+        </pc:sldMkLst>
+        <pc:spChg chg="mod">
+          <ac:chgData name="Yaze Kuroichi" userId="719e80d437ae0b70" providerId="Windows Live" clId="Web-{5C16A9D0-FEC3-41DA-9DDE-7AA7CEF6BCBC}" dt="2023-06-11T18:12:43.988" v="200" actId="20577"/>
+          <ac:spMkLst>
+            <pc:docMk/>
+            <pc:sldMk cId="3045214150" sldId="272"/>
+            <ac:spMk id="2" creationId="{B7809ED2-9851-8596-BF55-24F5645560E7}"/>
+          </ac:spMkLst>
+        </pc:spChg>
+        <pc:spChg chg="mod">
+          <ac:chgData name="Yaze Kuroichi" userId="719e80d437ae0b70" providerId="Windows Live" clId="Web-{5C16A9D0-FEC3-41DA-9DDE-7AA7CEF6BCBC}" dt="2023-06-11T18:14:54.153" v="245" actId="20577"/>
+          <ac:spMkLst>
+            <pc:docMk/>
+            <pc:sldMk cId="3045214150" sldId="272"/>
+            <ac:spMk id="3" creationId="{0B2D77DD-D1BB-531F-7A09-2A8BAE0CBEA1}"/>
+          </ac:spMkLst>
+        </pc:spChg>
+        <pc:picChg chg="add mod">
+          <ac:chgData name="Yaze Kuroichi" userId="719e80d437ae0b70" providerId="Windows Live" clId="Web-{5C16A9D0-FEC3-41DA-9DDE-7AA7CEF6BCBC}" dt="2023-06-11T18:16:44.692" v="249" actId="1076"/>
+          <ac:picMkLst>
+            <pc:docMk/>
+            <pc:sldMk cId="3045214150" sldId="272"/>
+            <ac:picMk id="4" creationId="{91FF9D13-D568-3126-07ED-4E7E941A4795}"/>
+          </ac:picMkLst>
+        </pc:picChg>
+        <pc:picChg chg="add mod">
+          <ac:chgData name="Yaze Kuroichi" userId="719e80d437ae0b70" providerId="Windows Live" clId="Web-{5C16A9D0-FEC3-41DA-9DDE-7AA7CEF6BCBC}" dt="2023-06-11T18:17:36.601" v="252" actId="1076"/>
+          <ac:picMkLst>
+            <pc:docMk/>
+            <pc:sldMk cId="3045214150" sldId="272"/>
+            <ac:picMk id="5" creationId="{8060AD3C-A123-FB10-1CB3-D4480156E9F1}"/>
+          </ac:picMkLst>
+        </pc:picChg>
+      </pc:sldChg>
+      <pc:sldChg chg="addSp delSp modSp new">
+        <pc:chgData name="Yaze Kuroichi" userId="719e80d437ae0b70" providerId="Windows Live" clId="Web-{5C16A9D0-FEC3-41DA-9DDE-7AA7CEF6BCBC}" dt="2023-06-11T18:19:26.890" v="272" actId="1076"/>
+        <pc:sldMkLst>
+          <pc:docMk/>
+          <pc:sldMk cId="1725820787" sldId="273"/>
+        </pc:sldMkLst>
+        <pc:spChg chg="del">
+          <ac:chgData name="Yaze Kuroichi" userId="719e80d437ae0b70" providerId="Windows Live" clId="Web-{5C16A9D0-FEC3-41DA-9DDE-7AA7CEF6BCBC}" dt="2023-06-11T18:19:16.780" v="268"/>
+          <ac:spMkLst>
+            <pc:docMk/>
+            <pc:sldMk cId="1725820787" sldId="273"/>
+            <ac:spMk id="2" creationId="{AABEF1A2-0D4D-669E-9428-97B51655B614}"/>
+          </ac:spMkLst>
+        </pc:spChg>
+        <pc:spChg chg="del">
+          <ac:chgData name="Yaze Kuroichi" userId="719e80d437ae0b70" providerId="Windows Live" clId="Web-{5C16A9D0-FEC3-41DA-9DDE-7AA7CEF6BCBC}" dt="2023-06-11T18:18:32.480" v="254"/>
+          <ac:spMkLst>
+            <pc:docMk/>
+            <pc:sldMk cId="1725820787" sldId="273"/>
+            <ac:spMk id="3" creationId="{8753945C-610F-BDFC-3543-BD00A25C2430}"/>
+          </ac:spMkLst>
+        </pc:spChg>
+        <pc:picChg chg="add mod ord">
+          <ac:chgData name="Yaze Kuroichi" userId="719e80d437ae0b70" providerId="Windows Live" clId="Web-{5C16A9D0-FEC3-41DA-9DDE-7AA7CEF6BCBC}" dt="2023-06-11T18:19:26.890" v="272" actId="1076"/>
+          <ac:picMkLst>
+            <pc:docMk/>
+            <pc:sldMk cId="1725820787" sldId="273"/>
+            <ac:picMk id="4" creationId="{68660F70-A6A2-DE9A-2CBA-743CDDD25A6B}"/>
+          </ac:picMkLst>
+        </pc:picChg>
+        <pc:picChg chg="add mod">
+          <ac:chgData name="Yaze Kuroichi" userId="719e80d437ae0b70" providerId="Windows Live" clId="Web-{5C16A9D0-FEC3-41DA-9DDE-7AA7CEF6BCBC}" dt="2023-06-11T18:19:21.749" v="270" actId="1076"/>
+          <ac:picMkLst>
+            <pc:docMk/>
+            <pc:sldMk cId="1725820787" sldId="273"/>
+            <ac:picMk id="5" creationId="{119C2CFA-AE31-1FE7-BD85-4D050FB1146D}"/>
+          </ac:picMkLst>
+        </pc:picChg>
+      </pc:sldChg>
+      <pc:sldChg chg="addSp delSp modSp new mod setBg">
+        <pc:chgData name="Yaze Kuroichi" userId="719e80d437ae0b70" providerId="Windows Live" clId="Web-{5C16A9D0-FEC3-41DA-9DDE-7AA7CEF6BCBC}" dt="2023-06-11T18:43:40.049" v="280"/>
+        <pc:sldMkLst>
+          <pc:docMk/>
+          <pc:sldMk cId="799493907" sldId="274"/>
+        </pc:sldMkLst>
+        <pc:spChg chg="del">
+          <ac:chgData name="Yaze Kuroichi" userId="719e80d437ae0b70" providerId="Windows Live" clId="Web-{5C16A9D0-FEC3-41DA-9DDE-7AA7CEF6BCBC}" dt="2023-06-11T18:36:09.734" v="279"/>
+          <ac:spMkLst>
+            <pc:docMk/>
+            <pc:sldMk cId="799493907" sldId="274"/>
+            <ac:spMk id="2" creationId="{83F1A6CE-D371-1009-D9A4-5E06BB70D063}"/>
+          </ac:spMkLst>
+        </pc:spChg>
+        <pc:spChg chg="del">
+          <ac:chgData name="Yaze Kuroichi" userId="719e80d437ae0b70" providerId="Windows Live" clId="Web-{5C16A9D0-FEC3-41DA-9DDE-7AA7CEF6BCBC}" dt="2023-06-11T18:35:59.297" v="274"/>
+          <ac:spMkLst>
+            <pc:docMk/>
+            <pc:sldMk cId="799493907" sldId="274"/>
+            <ac:spMk id="3" creationId="{3C4186C5-3D7F-0BF9-67AA-D520688E72B7}"/>
+          </ac:spMkLst>
+        </pc:spChg>
+        <pc:spChg chg="add">
+          <ac:chgData name="Yaze Kuroichi" userId="719e80d437ae0b70" providerId="Windows Live" clId="Web-{5C16A9D0-FEC3-41DA-9DDE-7AA7CEF6BCBC}" dt="2023-06-11T18:43:40.049" v="280"/>
+          <ac:spMkLst>
+            <pc:docMk/>
+            <pc:sldMk cId="799493907" sldId="274"/>
+            <ac:spMk id="9" creationId="{F3060C83-F051-4F0E-ABAD-AA0DFC48B218}"/>
+          </ac:spMkLst>
+        </pc:spChg>
+        <pc:spChg chg="add">
+          <ac:chgData name="Yaze Kuroichi" userId="719e80d437ae0b70" providerId="Windows Live" clId="Web-{5C16A9D0-FEC3-41DA-9DDE-7AA7CEF6BCBC}" dt="2023-06-11T18:43:40.049" v="280"/>
+          <ac:spMkLst>
+            <pc:docMk/>
+            <pc:sldMk cId="799493907" sldId="274"/>
+            <ac:spMk id="11" creationId="{83C98ABE-055B-441F-B07E-44F97F083C39}"/>
+          </ac:spMkLst>
+        </pc:spChg>
+        <pc:spChg chg="add">
+          <ac:chgData name="Yaze Kuroichi" userId="719e80d437ae0b70" providerId="Windows Live" clId="Web-{5C16A9D0-FEC3-41DA-9DDE-7AA7CEF6BCBC}" dt="2023-06-11T18:43:40.049" v="280"/>
+          <ac:spMkLst>
+            <pc:docMk/>
+            <pc:sldMk cId="799493907" sldId="274"/>
+            <ac:spMk id="13" creationId="{29FDB030-9B49-4CED-8CCD-4D99382388AC}"/>
+          </ac:spMkLst>
+        </pc:spChg>
+        <pc:spChg chg="add">
+          <ac:chgData name="Yaze Kuroichi" userId="719e80d437ae0b70" providerId="Windows Live" clId="Web-{5C16A9D0-FEC3-41DA-9DDE-7AA7CEF6BCBC}" dt="2023-06-11T18:43:40.049" v="280"/>
+          <ac:spMkLst>
+            <pc:docMk/>
+            <pc:sldMk cId="799493907" sldId="274"/>
+            <ac:spMk id="15" creationId="{3783CA14-24A1-485C-8B30-D6A5D87987AD}"/>
+          </ac:spMkLst>
+        </pc:spChg>
+        <pc:spChg chg="add">
+          <ac:chgData name="Yaze Kuroichi" userId="719e80d437ae0b70" providerId="Windows Live" clId="Web-{5C16A9D0-FEC3-41DA-9DDE-7AA7CEF6BCBC}" dt="2023-06-11T18:43:40.049" v="280"/>
+          <ac:spMkLst>
+            <pc:docMk/>
+            <pc:sldMk cId="799493907" sldId="274"/>
+            <ac:spMk id="17" creationId="{9A97C86A-04D6-40F7-AE84-31AB43E6A846}"/>
+          </ac:spMkLst>
+        </pc:spChg>
+        <pc:spChg chg="add">
+          <ac:chgData name="Yaze Kuroichi" userId="719e80d437ae0b70" providerId="Windows Live" clId="Web-{5C16A9D0-FEC3-41DA-9DDE-7AA7CEF6BCBC}" dt="2023-06-11T18:43:40.049" v="280"/>
+          <ac:spMkLst>
+            <pc:docMk/>
+            <pc:sldMk cId="799493907" sldId="274"/>
+            <ac:spMk id="19" creationId="{FF9F2414-84E8-453E-B1F3-389FDE8192D9}"/>
+          </ac:spMkLst>
+        </pc:spChg>
+        <pc:spChg chg="add">
+          <ac:chgData name="Yaze Kuroichi" userId="719e80d437ae0b70" providerId="Windows Live" clId="Web-{5C16A9D0-FEC3-41DA-9DDE-7AA7CEF6BCBC}" dt="2023-06-11T18:43:40.049" v="280"/>
+          <ac:spMkLst>
+            <pc:docMk/>
+            <pc:sldMk cId="799493907" sldId="274"/>
+            <ac:spMk id="21" creationId="{3ECA69A1-7536-43AC-85EF-C7106179F5ED}"/>
+          </ac:spMkLst>
+        </pc:spChg>
+        <pc:picChg chg="add mod ord">
+          <ac:chgData name="Yaze Kuroichi" userId="719e80d437ae0b70" providerId="Windows Live" clId="Web-{5C16A9D0-FEC3-41DA-9DDE-7AA7CEF6BCBC}" dt="2023-06-11T18:43:40.049" v="280"/>
+          <ac:picMkLst>
+            <pc:docMk/>
+            <pc:sldMk cId="799493907" sldId="274"/>
+            <ac:picMk id="4" creationId="{F44F44C6-CE4F-A05B-4DFE-CD3182C075CF}"/>
+          </ac:picMkLst>
+        </pc:picChg>
+      </pc:sldChg>
+    </pc:docChg>
+  </pc:docChgLst>
   <pc:docChgLst>
     <pc:chgData name="Yaze Kuroichi" userId="719e80d437ae0b70" providerId="Windows Live" clId="Web-{DFA44EB6-5255-42A0-8412-A0A038F75A4F}"/>
     <pc:docChg chg="addSld delSld modSld">
@@ -4083,7 +4569,7 @@
           <a:p>
             <a:fld id="{846CE7D5-CF57-46EF-B807-FDD0502418D4}" type="datetimeFigureOut">
               <a:rPr lang="en-US" smtClean="0"/>
-              <a:t>6/10/2023</a:t>
+              <a:t>6/11/2023</a:t>
             </a:fld>
             <a:endParaRPr lang="en-US"/>
           </a:p>
@@ -4253,7 +4739,7 @@
           <a:p>
             <a:fld id="{846CE7D5-CF57-46EF-B807-FDD0502418D4}" type="datetimeFigureOut">
               <a:rPr lang="en-US" smtClean="0"/>
-              <a:t>6/10/2023</a:t>
+              <a:t>6/11/2023</a:t>
             </a:fld>
             <a:endParaRPr lang="en-US"/>
           </a:p>
@@ -4433,7 +4919,7 @@
           <a:p>
             <a:fld id="{846CE7D5-CF57-46EF-B807-FDD0502418D4}" type="datetimeFigureOut">
               <a:rPr lang="en-US" smtClean="0"/>
-              <a:t>6/10/2023</a:t>
+              <a:t>6/11/2023</a:t>
             </a:fld>
             <a:endParaRPr lang="en-US"/>
           </a:p>
@@ -4603,7 +5089,7 @@
           <a:p>
             <a:fld id="{846CE7D5-CF57-46EF-B807-FDD0502418D4}" type="datetimeFigureOut">
               <a:rPr lang="en-US" smtClean="0"/>
-              <a:t>6/10/2023</a:t>
+              <a:t>6/11/2023</a:t>
             </a:fld>
             <a:endParaRPr lang="en-US"/>
           </a:p>
@@ -4849,7 +5335,7 @@
           <a:p>
             <a:fld id="{846CE7D5-CF57-46EF-B807-FDD0502418D4}" type="datetimeFigureOut">
               <a:rPr lang="en-US" smtClean="0"/>
-              <a:t>6/10/2023</a:t>
+              <a:t>6/11/2023</a:t>
             </a:fld>
             <a:endParaRPr lang="en-US"/>
           </a:p>
@@ -5081,7 +5567,7 @@
           <a:p>
             <a:fld id="{846CE7D5-CF57-46EF-B807-FDD0502418D4}" type="datetimeFigureOut">
               <a:rPr lang="en-US" smtClean="0"/>
-              <a:t>6/10/2023</a:t>
+              <a:t>6/11/2023</a:t>
             </a:fld>
             <a:endParaRPr lang="en-US"/>
           </a:p>
@@ -5448,7 +5934,7 @@
           <a:p>
             <a:fld id="{846CE7D5-CF57-46EF-B807-FDD0502418D4}" type="datetimeFigureOut">
               <a:rPr lang="en-US" smtClean="0"/>
-              <a:t>6/10/2023</a:t>
+              <a:t>6/11/2023</a:t>
             </a:fld>
             <a:endParaRPr lang="en-US"/>
           </a:p>
@@ -5566,7 +6052,7 @@
           <a:p>
             <a:fld id="{846CE7D5-CF57-46EF-B807-FDD0502418D4}" type="datetimeFigureOut">
               <a:rPr lang="en-US" smtClean="0"/>
-              <a:t>6/10/2023</a:t>
+              <a:t>6/11/2023</a:t>
             </a:fld>
             <a:endParaRPr lang="en-US"/>
           </a:p>
@@ -5661,7 +6147,7 @@
           <a:p>
             <a:fld id="{846CE7D5-CF57-46EF-B807-FDD0502418D4}" type="datetimeFigureOut">
               <a:rPr lang="en-US" smtClean="0"/>
-              <a:t>6/10/2023</a:t>
+              <a:t>6/11/2023</a:t>
             </a:fld>
             <a:endParaRPr lang="en-US"/>
           </a:p>
@@ -5938,7 +6424,7 @@
           <a:p>
             <a:fld id="{846CE7D5-CF57-46EF-B807-FDD0502418D4}" type="datetimeFigureOut">
               <a:rPr lang="en-US" smtClean="0"/>
-              <a:t>6/10/2023</a:t>
+              <a:t>6/11/2023</a:t>
             </a:fld>
             <a:endParaRPr lang="en-US"/>
           </a:p>
@@ -6195,7 +6681,7 @@
           <a:p>
             <a:fld id="{846CE7D5-CF57-46EF-B807-FDD0502418D4}" type="datetimeFigureOut">
               <a:rPr lang="en-US" smtClean="0"/>
-              <a:t>6/10/2023</a:t>
+              <a:t>6/11/2023</a:t>
             </a:fld>
             <a:endParaRPr lang="en-US"/>
           </a:p>
@@ -6408,7 +6894,7 @@
           <a:p>
             <a:fld id="{846CE7D5-CF57-46EF-B807-FDD0502418D4}" type="datetimeFigureOut">
               <a:rPr lang="en-US" smtClean="0"/>
-              <a:t>6/10/2023</a:t>
+              <a:t>6/11/2023</a:t>
             </a:fld>
             <a:endParaRPr lang="en-US"/>
           </a:p>
@@ -8537,13 +9023,13 @@
           </a:xfrm>
         </p:spPr>
         <p:txBody>
-          <a:bodyPr vert="horz" lIns="91440" tIns="45720" rIns="91440" bIns="45720" rtlCol="0">
+          <a:bodyPr vert="horz" lIns="91440" tIns="45720" rIns="91440" bIns="45720" rtlCol="0" anchor="t">
             <a:normAutofit/>
           </a:bodyPr>
           <a:lstStyle/>
           <a:p>
             <a:r>
-              <a:rPr lang="en-US" sz="2200">
+              <a:rPr lang="en-US" sz="2200" dirty="0">
                 <a:cs typeface="Calibri"/>
               </a:rPr>
               <a:t>Used for analysis purposes to represent control flow relationships among program statements</a:t>
@@ -8551,11 +9037,20 @@
           </a:p>
           <a:p>
             <a:r>
-              <a:rPr lang="en-US" sz="2200">
+              <a:rPr lang="en-US" sz="2200" dirty="0">
                 <a:ea typeface="+mn-lt"/>
                 <a:cs typeface="+mn-lt"/>
               </a:rPr>
-              <a:t>In a control flow graph (CFG), a node A dominates another node B if every path from the entry node of the CFG to node B must go through node A. In other words, node A controls the execution of node B. A dominator tree represents the dominator relationships among the nodes in the CFG.</a:t>
+              <a:t>In a control flow graph (CFG), a node A dominates another node B if every path from the entry node of the CFG to node B must go through node A. In other words, node A controls the execution of node B.</a:t>
+            </a:r>
+          </a:p>
+          <a:p>
+            <a:r>
+              <a:rPr lang="en-US" sz="2200" dirty="0">
+                <a:ea typeface="+mn-lt"/>
+                <a:cs typeface="+mn-lt"/>
+              </a:rPr>
+              <a:t>In a CFG, a node A post-dominates another node B if every path from node B to the exit node of the CFG must go through node A.</a:t>
             </a:r>
           </a:p>
         </p:txBody>
@@ -8600,10 +9095,10 @@
       </p:grpSpPr>
       <p:sp useBgFill="1">
         <p:nvSpPr>
-          <p:cNvPr id="8" name="Rectangle 7">
+          <p:cNvPr id="26" name="Rectangle 14">
             <a:extLst>
               <a:ext uri="{FF2B5EF4-FFF2-40B4-BE49-F238E27FC236}">
-                <a16:creationId xmlns:a16="http://schemas.microsoft.com/office/drawing/2014/main" id="{100EDD19-6802-4EC3-95CE-CFFAB042CFD6}"/>
+                <a16:creationId xmlns:a16="http://schemas.microsoft.com/office/drawing/2014/main" id="{777A147A-9ED8-46B4-8660-1B3C2AA880B5}"/>
               </a:ext>
               <a:ext uri="{C183D7F6-B498-43B3-948B-1728B52AA6E4}">
                 <adec:decorative xmlns:adec="http://schemas.microsoft.com/office/drawing/2017/decorative" val="1"/>
@@ -8676,8 +9171,8 @@
         </p:nvSpPr>
         <p:spPr>
           <a:xfrm>
-            <a:off x="838200" y="365125"/>
-            <a:ext cx="10515600" cy="1325563"/>
+            <a:off x="841248" y="548640"/>
+            <a:ext cx="3600860" cy="5431536"/>
           </a:xfrm>
         </p:spPr>
         <p:txBody>
@@ -8687,21 +9182,21 @@
           <a:lstStyle/>
           <a:p>
             <a:r>
-              <a:rPr lang="en-US" sz="5400">
+              <a:rPr lang="en-US" sz="5400" dirty="0">
                 <a:cs typeface="Calibri Light"/>
               </a:rPr>
-              <a:t>Immediate dominators</a:t>
+              <a:t>Immediate and Semi dominators</a:t>
             </a:r>
-            <a:endParaRPr lang="en-US" sz="5400"/>
+            <a:endParaRPr lang="en-US" sz="5400" dirty="0"/>
           </a:p>
         </p:txBody>
       </p:sp>
       <p:sp>
         <p:nvSpPr>
-          <p:cNvPr id="10" name="sketch line">
+          <p:cNvPr id="27" name="sketch line">
             <a:extLst>
               <a:ext uri="{FF2B5EF4-FFF2-40B4-BE49-F238E27FC236}">
-                <a16:creationId xmlns:a16="http://schemas.microsoft.com/office/drawing/2014/main" id="{DB17E863-922E-4C26-BD64-E8FD41D28661}"/>
+                <a16:creationId xmlns:a16="http://schemas.microsoft.com/office/drawing/2014/main" id="{5D6C15A0-C087-4593-8414-2B4EC1CDC3DE}"/>
               </a:ext>
               <a:ext uri="{C183D7F6-B498-43B3-948B-1728B52AA6E4}">
                 <adec:decorative xmlns:adec="http://schemas.microsoft.com/office/drawing/2017/decorative" val="1"/>
@@ -8720,85 +9215,47 @@
           </p:nvPr>
         </p:nvSpPr>
         <p:spPr>
-          <a:xfrm>
-            <a:off x="669036" y="1677373"/>
-            <a:ext cx="10853928" cy="18288"/>
+          <a:xfrm rot="5400000">
+            <a:off x="2543983" y="3258715"/>
+            <a:ext cx="4480560" cy="18288"/>
           </a:xfrm>
           <a:custGeom>
             <a:avLst/>
             <a:gdLst>
-              <a:gd name="connsiteX0" fmla="*/ 0 w 10853928"/>
+              <a:gd name="connsiteX0" fmla="*/ 0 w 4480560"/>
               <a:gd name="connsiteY0" fmla="*/ 0 h 18288"/>
-              <a:gd name="connsiteX1" fmla="*/ 461292 w 10853928"/>
+              <a:gd name="connsiteX1" fmla="*/ 595274 w 4480560"/>
               <a:gd name="connsiteY1" fmla="*/ 0 h 18288"/>
-              <a:gd name="connsiteX2" fmla="*/ 1139662 w 10853928"/>
+              <a:gd name="connsiteX2" fmla="*/ 1100938 w 4480560"/>
               <a:gd name="connsiteY2" fmla="*/ 0 h 18288"/>
-              <a:gd name="connsiteX3" fmla="*/ 1926572 w 10853928"/>
+              <a:gd name="connsiteX3" fmla="*/ 1651406 w 4480560"/>
               <a:gd name="connsiteY3" fmla="*/ 0 h 18288"/>
-              <a:gd name="connsiteX4" fmla="*/ 2279325 w 10853928"/>
+              <a:gd name="connsiteX4" fmla="*/ 2336292 w 4480560"/>
               <a:gd name="connsiteY4" fmla="*/ 0 h 18288"/>
-              <a:gd name="connsiteX5" fmla="*/ 2632078 w 10853928"/>
+              <a:gd name="connsiteX5" fmla="*/ 2931566 w 4480560"/>
               <a:gd name="connsiteY5" fmla="*/ 0 h 18288"/>
-              <a:gd name="connsiteX6" fmla="*/ 3527527 w 10853928"/>
+              <a:gd name="connsiteX6" fmla="*/ 3482035 w 4480560"/>
               <a:gd name="connsiteY6" fmla="*/ 0 h 18288"/>
-              <a:gd name="connsiteX7" fmla="*/ 4205897 w 10853928"/>
+              <a:gd name="connsiteX7" fmla="*/ 4480560 w 4480560"/>
               <a:gd name="connsiteY7" fmla="*/ 0 h 18288"/>
-              <a:gd name="connsiteX8" fmla="*/ 4558650 w 10853928"/>
-              <a:gd name="connsiteY8" fmla="*/ 0 h 18288"/>
-              <a:gd name="connsiteX9" fmla="*/ 5237020 w 10853928"/>
-              <a:gd name="connsiteY9" fmla="*/ 0 h 18288"/>
-              <a:gd name="connsiteX10" fmla="*/ 6132469 w 10853928"/>
-              <a:gd name="connsiteY10" fmla="*/ 0 h 18288"/>
-              <a:gd name="connsiteX11" fmla="*/ 6702301 w 10853928"/>
-              <a:gd name="connsiteY11" fmla="*/ 0 h 18288"/>
-              <a:gd name="connsiteX12" fmla="*/ 7272132 w 10853928"/>
-              <a:gd name="connsiteY12" fmla="*/ 0 h 18288"/>
-              <a:gd name="connsiteX13" fmla="*/ 7950502 w 10853928"/>
-              <a:gd name="connsiteY13" fmla="*/ 0 h 18288"/>
-              <a:gd name="connsiteX14" fmla="*/ 8737412 w 10853928"/>
-              <a:gd name="connsiteY14" fmla="*/ 0 h 18288"/>
-              <a:gd name="connsiteX15" fmla="*/ 9524322 w 10853928"/>
-              <a:gd name="connsiteY15" fmla="*/ 0 h 18288"/>
-              <a:gd name="connsiteX16" fmla="*/ 10853928 w 10853928"/>
+              <a:gd name="connsiteX8" fmla="*/ 4480560 w 4480560"/>
+              <a:gd name="connsiteY8" fmla="*/ 18288 h 18288"/>
+              <a:gd name="connsiteX9" fmla="*/ 3840480 w 4480560"/>
+              <a:gd name="connsiteY9" fmla="*/ 18288 h 18288"/>
+              <a:gd name="connsiteX10" fmla="*/ 3290011 w 4480560"/>
+              <a:gd name="connsiteY10" fmla="*/ 18288 h 18288"/>
+              <a:gd name="connsiteX11" fmla="*/ 2560320 w 4480560"/>
+              <a:gd name="connsiteY11" fmla="*/ 18288 h 18288"/>
+              <a:gd name="connsiteX12" fmla="*/ 1965046 w 4480560"/>
+              <a:gd name="connsiteY12" fmla="*/ 18288 h 18288"/>
+              <a:gd name="connsiteX13" fmla="*/ 1459382 w 4480560"/>
+              <a:gd name="connsiteY13" fmla="*/ 18288 h 18288"/>
+              <a:gd name="connsiteX14" fmla="*/ 774497 w 4480560"/>
+              <a:gd name="connsiteY14" fmla="*/ 18288 h 18288"/>
+              <a:gd name="connsiteX15" fmla="*/ 0 w 4480560"/>
+              <a:gd name="connsiteY15" fmla="*/ 18288 h 18288"/>
+              <a:gd name="connsiteX16" fmla="*/ 0 w 4480560"/>
               <a:gd name="connsiteY16" fmla="*/ 0 h 18288"/>
-              <a:gd name="connsiteX17" fmla="*/ 10853928 w 10853928"/>
-              <a:gd name="connsiteY17" fmla="*/ 18288 h 18288"/>
-              <a:gd name="connsiteX18" fmla="*/ 10392636 w 10853928"/>
-              <a:gd name="connsiteY18" fmla="*/ 18288 h 18288"/>
-              <a:gd name="connsiteX19" fmla="*/ 9497187 w 10853928"/>
-              <a:gd name="connsiteY19" fmla="*/ 18288 h 18288"/>
-              <a:gd name="connsiteX20" fmla="*/ 8818817 w 10853928"/>
-              <a:gd name="connsiteY20" fmla="*/ 18288 h 18288"/>
-              <a:gd name="connsiteX21" fmla="*/ 8466064 w 10853928"/>
-              <a:gd name="connsiteY21" fmla="*/ 18288 h 18288"/>
-              <a:gd name="connsiteX22" fmla="*/ 7787693 w 10853928"/>
-              <a:gd name="connsiteY22" fmla="*/ 18288 h 18288"/>
-              <a:gd name="connsiteX23" fmla="*/ 7217862 w 10853928"/>
-              <a:gd name="connsiteY23" fmla="*/ 18288 h 18288"/>
-              <a:gd name="connsiteX24" fmla="*/ 6648031 w 10853928"/>
-              <a:gd name="connsiteY24" fmla="*/ 18288 h 18288"/>
-              <a:gd name="connsiteX25" fmla="*/ 6078200 w 10853928"/>
-              <a:gd name="connsiteY25" fmla="*/ 18288 h 18288"/>
-              <a:gd name="connsiteX26" fmla="*/ 5508368 w 10853928"/>
-              <a:gd name="connsiteY26" fmla="*/ 18288 h 18288"/>
-              <a:gd name="connsiteX27" fmla="*/ 4721459 w 10853928"/>
-              <a:gd name="connsiteY27" fmla="*/ 18288 h 18288"/>
-              <a:gd name="connsiteX28" fmla="*/ 4043088 w 10853928"/>
-              <a:gd name="connsiteY28" fmla="*/ 18288 h 18288"/>
-              <a:gd name="connsiteX29" fmla="*/ 3690336 w 10853928"/>
-              <a:gd name="connsiteY29" fmla="*/ 18288 h 18288"/>
-              <a:gd name="connsiteX30" fmla="*/ 3120504 w 10853928"/>
-              <a:gd name="connsiteY30" fmla="*/ 18288 h 18288"/>
-              <a:gd name="connsiteX31" fmla="*/ 2333595 w 10853928"/>
-              <a:gd name="connsiteY31" fmla="*/ 18288 h 18288"/>
-              <a:gd name="connsiteX32" fmla="*/ 1872303 w 10853928"/>
-              <a:gd name="connsiteY32" fmla="*/ 18288 h 18288"/>
-              <a:gd name="connsiteX33" fmla="*/ 976854 w 10853928"/>
-              <a:gd name="connsiteY33" fmla="*/ 18288 h 18288"/>
-              <a:gd name="connsiteX34" fmla="*/ 0 w 10853928"/>
-              <a:gd name="connsiteY34" fmla="*/ 18288 h 18288"/>
-              <a:gd name="connsiteX35" fmla="*/ 0 w 10853928"/>
-              <a:gd name="connsiteY35" fmla="*/ 0 h 18288"/>
             </a:gdLst>
             <a:ahLst/>
             <a:cxnLst>
@@ -8853,434 +9310,177 @@
               <a:cxn ang="0">
                 <a:pos x="connsiteX16" y="connsiteY16"/>
               </a:cxn>
-              <a:cxn ang="0">
-                <a:pos x="connsiteX17" y="connsiteY17"/>
-              </a:cxn>
-              <a:cxn ang="0">
-                <a:pos x="connsiteX18" y="connsiteY18"/>
-              </a:cxn>
-              <a:cxn ang="0">
-                <a:pos x="connsiteX19" y="connsiteY19"/>
-              </a:cxn>
-              <a:cxn ang="0">
-                <a:pos x="connsiteX20" y="connsiteY20"/>
-              </a:cxn>
-              <a:cxn ang="0">
-                <a:pos x="connsiteX21" y="connsiteY21"/>
-              </a:cxn>
-              <a:cxn ang="0">
-                <a:pos x="connsiteX22" y="connsiteY22"/>
-              </a:cxn>
-              <a:cxn ang="0">
-                <a:pos x="connsiteX23" y="connsiteY23"/>
-              </a:cxn>
-              <a:cxn ang="0">
-                <a:pos x="connsiteX24" y="connsiteY24"/>
-              </a:cxn>
-              <a:cxn ang="0">
-                <a:pos x="connsiteX25" y="connsiteY25"/>
-              </a:cxn>
-              <a:cxn ang="0">
-                <a:pos x="connsiteX26" y="connsiteY26"/>
-              </a:cxn>
-              <a:cxn ang="0">
-                <a:pos x="connsiteX27" y="connsiteY27"/>
-              </a:cxn>
-              <a:cxn ang="0">
-                <a:pos x="connsiteX28" y="connsiteY28"/>
-              </a:cxn>
-              <a:cxn ang="0">
-                <a:pos x="connsiteX29" y="connsiteY29"/>
-              </a:cxn>
-              <a:cxn ang="0">
-                <a:pos x="connsiteX30" y="connsiteY30"/>
-              </a:cxn>
-              <a:cxn ang="0">
-                <a:pos x="connsiteX31" y="connsiteY31"/>
-              </a:cxn>
-              <a:cxn ang="0">
-                <a:pos x="connsiteX32" y="connsiteY32"/>
-              </a:cxn>
-              <a:cxn ang="0">
-                <a:pos x="connsiteX33" y="connsiteY33"/>
-              </a:cxn>
-              <a:cxn ang="0">
-                <a:pos x="connsiteX34" y="connsiteY34"/>
-              </a:cxn>
-              <a:cxn ang="0">
-                <a:pos x="connsiteX35" y="connsiteY35"/>
-              </a:cxn>
             </a:cxnLst>
             <a:rect l="l" t="t" r="r" b="b"/>
             <a:pathLst>
-              <a:path w="10853928" h="18288" fill="none" extrusionOk="0">
+              <a:path w="4480560" h="18288" fill="none" extrusionOk="0">
                 <a:moveTo>
                   <a:pt x="0" y="0"/>
                 </a:moveTo>
                 <a:cubicBezTo>
-                  <a:pt x="146993" y="-19076"/>
-                  <a:pt x="347684" y="-4790"/>
-                  <a:pt x="461292" y="0"/>
-                </a:cubicBezTo>
-                <a:cubicBezTo>
-                  <a:pt x="574900" y="4790"/>
-                  <a:pt x="808367" y="19821"/>
-                  <a:pt x="1139662" y="0"/>
-                </a:cubicBezTo>
-                <a:cubicBezTo>
-                  <a:pt x="1470957" y="-19821"/>
-                  <a:pt x="1627405" y="5721"/>
-                  <a:pt x="1926572" y="0"/>
-                </a:cubicBezTo>
-                <a:cubicBezTo>
-                  <a:pt x="2225739" y="-5721"/>
-                  <a:pt x="2137730" y="-3235"/>
-                  <a:pt x="2279325" y="0"/>
-                </a:cubicBezTo>
-                <a:cubicBezTo>
-                  <a:pt x="2420920" y="3235"/>
-                  <a:pt x="2456518" y="9685"/>
-                  <a:pt x="2632078" y="0"/>
-                </a:cubicBezTo>
-                <a:cubicBezTo>
-                  <a:pt x="2807638" y="-9685"/>
-                  <a:pt x="3211516" y="-43007"/>
-                  <a:pt x="3527527" y="0"/>
-                </a:cubicBezTo>
-                <a:cubicBezTo>
-                  <a:pt x="3843538" y="43007"/>
-                  <a:pt x="4058833" y="22042"/>
-                  <a:pt x="4205897" y="0"/>
-                </a:cubicBezTo>
-                <a:cubicBezTo>
-                  <a:pt x="4352961" y="-22042"/>
-                  <a:pt x="4474805" y="-11846"/>
-                  <a:pt x="4558650" y="0"/>
-                </a:cubicBezTo>
-                <a:cubicBezTo>
-                  <a:pt x="4642495" y="11846"/>
-                  <a:pt x="5041928" y="-6069"/>
-                  <a:pt x="5237020" y="0"/>
-                </a:cubicBezTo>
-                <a:cubicBezTo>
-                  <a:pt x="5432112" y="6069"/>
-                  <a:pt x="5943266" y="-17479"/>
-                  <a:pt x="6132469" y="0"/>
-                </a:cubicBezTo>
-                <a:cubicBezTo>
-                  <a:pt x="6321672" y="17479"/>
-                  <a:pt x="6483872" y="26234"/>
-                  <a:pt x="6702301" y="0"/>
-                </a:cubicBezTo>
-                <a:cubicBezTo>
-                  <a:pt x="6920730" y="-26234"/>
-                  <a:pt x="6991194" y="-15156"/>
-                  <a:pt x="7272132" y="0"/>
-                </a:cubicBezTo>
-                <a:cubicBezTo>
-                  <a:pt x="7553070" y="15156"/>
-                  <a:pt x="7684444" y="-32961"/>
-                  <a:pt x="7950502" y="0"/>
-                </a:cubicBezTo>
-                <a:cubicBezTo>
-                  <a:pt x="8216560" y="32961"/>
-                  <a:pt x="8493290" y="-10491"/>
-                  <a:pt x="8737412" y="0"/>
-                </a:cubicBezTo>
-                <a:cubicBezTo>
-                  <a:pt x="8981534" y="10491"/>
-                  <a:pt x="9191586" y="-13899"/>
-                  <a:pt x="9524322" y="0"/>
-                </a:cubicBezTo>
-                <a:cubicBezTo>
-                  <a:pt x="9857058" y="13899"/>
-                  <a:pt x="10297509" y="7485"/>
-                  <a:pt x="10853928" y="0"/>
-                </a:cubicBezTo>
-                <a:cubicBezTo>
-                  <a:pt x="10854574" y="4451"/>
-                  <a:pt x="10854418" y="9226"/>
-                  <a:pt x="10853928" y="18288"/>
-                </a:cubicBezTo>
-                <a:cubicBezTo>
-                  <a:pt x="10691638" y="28522"/>
-                  <a:pt x="10574319" y="29578"/>
-                  <a:pt x="10392636" y="18288"/>
-                </a:cubicBezTo>
-                <a:cubicBezTo>
-                  <a:pt x="10210953" y="6998"/>
-                  <a:pt x="9836277" y="-16742"/>
-                  <a:pt x="9497187" y="18288"/>
-                </a:cubicBezTo>
-                <a:cubicBezTo>
-                  <a:pt x="9158097" y="53318"/>
-                  <a:pt x="9119479" y="30714"/>
-                  <a:pt x="8818817" y="18288"/>
-                </a:cubicBezTo>
-                <a:cubicBezTo>
-                  <a:pt x="8518155" y="5863"/>
-                  <a:pt x="8640037" y="6483"/>
-                  <a:pt x="8466064" y="18288"/>
-                </a:cubicBezTo>
-                <a:cubicBezTo>
-                  <a:pt x="8292091" y="30093"/>
-                  <a:pt x="7997656" y="18914"/>
-                  <a:pt x="7787693" y="18288"/>
-                </a:cubicBezTo>
-                <a:cubicBezTo>
-                  <a:pt x="7577730" y="17662"/>
-                  <a:pt x="7412468" y="21416"/>
-                  <a:pt x="7217862" y="18288"/>
-                </a:cubicBezTo>
-                <a:cubicBezTo>
-                  <a:pt x="7023256" y="15160"/>
-                  <a:pt x="6898018" y="14824"/>
-                  <a:pt x="6648031" y="18288"/>
-                </a:cubicBezTo>
-                <a:cubicBezTo>
-                  <a:pt x="6398044" y="21752"/>
-                  <a:pt x="6254402" y="38625"/>
-                  <a:pt x="6078200" y="18288"/>
-                </a:cubicBezTo>
-                <a:cubicBezTo>
-                  <a:pt x="5901998" y="-2049"/>
-                  <a:pt x="5622886" y="3213"/>
-                  <a:pt x="5508368" y="18288"/>
-                </a:cubicBezTo>
-                <a:cubicBezTo>
-                  <a:pt x="5393850" y="33363"/>
-                  <a:pt x="5036260" y="26830"/>
-                  <a:pt x="4721459" y="18288"/>
-                </a:cubicBezTo>
-                <a:cubicBezTo>
-                  <a:pt x="4406658" y="9746"/>
-                  <a:pt x="4239221" y="41551"/>
-                  <a:pt x="4043088" y="18288"/>
-                </a:cubicBezTo>
-                <a:cubicBezTo>
-                  <a:pt x="3846955" y="-4975"/>
-                  <a:pt x="3818802" y="34658"/>
-                  <a:pt x="3690336" y="18288"/>
-                </a:cubicBezTo>
-                <a:cubicBezTo>
-                  <a:pt x="3561870" y="1918"/>
-                  <a:pt x="3265491" y="42194"/>
-                  <a:pt x="3120504" y="18288"/>
-                </a:cubicBezTo>
-                <a:cubicBezTo>
-                  <a:pt x="2975517" y="-5618"/>
-                  <a:pt x="2720254" y="36673"/>
-                  <a:pt x="2333595" y="18288"/>
-                </a:cubicBezTo>
-                <a:cubicBezTo>
-                  <a:pt x="1946936" y="-97"/>
-                  <a:pt x="2097241" y="5776"/>
-                  <a:pt x="1872303" y="18288"/>
-                </a:cubicBezTo>
-                <a:cubicBezTo>
-                  <a:pt x="1647365" y="30800"/>
-                  <a:pt x="1282708" y="45380"/>
-                  <a:pt x="976854" y="18288"/>
-                </a:cubicBezTo>
-                <a:cubicBezTo>
-                  <a:pt x="671000" y="-8804"/>
-                  <a:pt x="408401" y="-12775"/>
+                  <a:pt x="267821" y="8731"/>
+                  <a:pt x="334105" y="2629"/>
+                  <a:pt x="595274" y="0"/>
+                </a:cubicBezTo>
+                <a:cubicBezTo>
+                  <a:pt x="856443" y="-2629"/>
+                  <a:pt x="863808" y="-13353"/>
+                  <a:pt x="1100938" y="0"/>
+                </a:cubicBezTo>
+                <a:cubicBezTo>
+                  <a:pt x="1338068" y="13353"/>
+                  <a:pt x="1431663" y="-25862"/>
+                  <a:pt x="1651406" y="0"/>
+                </a:cubicBezTo>
+                <a:cubicBezTo>
+                  <a:pt x="1871149" y="25862"/>
+                  <a:pt x="2173163" y="23827"/>
+                  <a:pt x="2336292" y="0"/>
+                </a:cubicBezTo>
+                <a:cubicBezTo>
+                  <a:pt x="2499421" y="-23827"/>
+                  <a:pt x="2720589" y="28148"/>
+                  <a:pt x="2931566" y="0"/>
+                </a:cubicBezTo>
+                <a:cubicBezTo>
+                  <a:pt x="3142543" y="-28148"/>
+                  <a:pt x="3323630" y="27022"/>
+                  <a:pt x="3482035" y="0"/>
+                </a:cubicBezTo>
+                <a:cubicBezTo>
+                  <a:pt x="3640440" y="-27022"/>
+                  <a:pt x="4012110" y="-20118"/>
+                  <a:pt x="4480560" y="0"/>
+                </a:cubicBezTo>
+                <a:cubicBezTo>
+                  <a:pt x="4480958" y="7429"/>
+                  <a:pt x="4480540" y="10822"/>
+                  <a:pt x="4480560" y="18288"/>
+                </a:cubicBezTo>
+                <a:cubicBezTo>
+                  <a:pt x="4314132" y="14924"/>
+                  <a:pt x="4028383" y="36632"/>
+                  <a:pt x="3840480" y="18288"/>
+                </a:cubicBezTo>
+                <a:cubicBezTo>
+                  <a:pt x="3652577" y="-56"/>
+                  <a:pt x="3547615" y="2848"/>
+                  <a:pt x="3290011" y="18288"/>
+                </a:cubicBezTo>
+                <a:cubicBezTo>
+                  <a:pt x="3032407" y="33728"/>
+                  <a:pt x="2830268" y="8719"/>
+                  <a:pt x="2560320" y="18288"/>
+                </a:cubicBezTo>
+                <a:cubicBezTo>
+                  <a:pt x="2290372" y="27857"/>
+                  <a:pt x="2147422" y="6728"/>
+                  <a:pt x="1965046" y="18288"/>
+                </a:cubicBezTo>
+                <a:cubicBezTo>
+                  <a:pt x="1782670" y="29848"/>
+                  <a:pt x="1689791" y="40680"/>
+                  <a:pt x="1459382" y="18288"/>
+                </a:cubicBezTo>
+                <a:cubicBezTo>
+                  <a:pt x="1228973" y="-4104"/>
+                  <a:pt x="915486" y="36501"/>
+                  <a:pt x="774497" y="18288"/>
+                </a:cubicBezTo>
+                <a:cubicBezTo>
+                  <a:pt x="633508" y="75"/>
+                  <a:pt x="361442" y="-11107"/>
                   <a:pt x="0" y="18288"/>
                 </a:cubicBezTo>
                 <a:cubicBezTo>
-                  <a:pt x="-213" y="9468"/>
-                  <a:pt x="187" y="4459"/>
+                  <a:pt x="-591" y="13205"/>
+                  <a:pt x="-663" y="6329"/>
                   <a:pt x="0" y="0"/>
                 </a:cubicBezTo>
                 <a:close/>
               </a:path>
-              <a:path w="10853928" h="18288" stroke="0" extrusionOk="0">
+              <a:path w="4480560" h="18288" stroke="0" extrusionOk="0">
                 <a:moveTo>
                   <a:pt x="0" y="0"/>
                 </a:moveTo>
                 <a:cubicBezTo>
-                  <a:pt x="267322" y="15284"/>
-                  <a:pt x="415388" y="-21048"/>
-                  <a:pt x="569831" y="0"/>
-                </a:cubicBezTo>
-                <a:cubicBezTo>
-                  <a:pt x="724274" y="21048"/>
-                  <a:pt x="769333" y="-2353"/>
-                  <a:pt x="922584" y="0"/>
-                </a:cubicBezTo>
-                <a:cubicBezTo>
-                  <a:pt x="1075835" y="2353"/>
-                  <a:pt x="1399490" y="-145"/>
-                  <a:pt x="1818033" y="0"/>
-                </a:cubicBezTo>
-                <a:cubicBezTo>
-                  <a:pt x="2236576" y="145"/>
-                  <a:pt x="2145330" y="5482"/>
-                  <a:pt x="2387864" y="0"/>
-                </a:cubicBezTo>
-                <a:cubicBezTo>
-                  <a:pt x="2630398" y="-5482"/>
-                  <a:pt x="2793207" y="18487"/>
-                  <a:pt x="2957695" y="0"/>
-                </a:cubicBezTo>
-                <a:cubicBezTo>
-                  <a:pt x="3122183" y="-18487"/>
-                  <a:pt x="3579141" y="19003"/>
-                  <a:pt x="3853144" y="0"/>
-                </a:cubicBezTo>
-                <a:cubicBezTo>
-                  <a:pt x="4127147" y="-19003"/>
-                  <a:pt x="4209857" y="12211"/>
-                  <a:pt x="4314436" y="0"/>
-                </a:cubicBezTo>
-                <a:cubicBezTo>
-                  <a:pt x="4419015" y="-12211"/>
-                  <a:pt x="4762459" y="-17220"/>
-                  <a:pt x="5209885" y="0"/>
-                </a:cubicBezTo>
-                <a:cubicBezTo>
-                  <a:pt x="5657311" y="17220"/>
-                  <a:pt x="5692663" y="-3290"/>
-                  <a:pt x="6105335" y="0"/>
-                </a:cubicBezTo>
-                <a:cubicBezTo>
-                  <a:pt x="6518007" y="3290"/>
-                  <a:pt x="6455516" y="-5124"/>
-                  <a:pt x="6783705" y="0"/>
-                </a:cubicBezTo>
-                <a:cubicBezTo>
-                  <a:pt x="7111894" y="5124"/>
-                  <a:pt x="7441941" y="-17829"/>
-                  <a:pt x="7679154" y="0"/>
-                </a:cubicBezTo>
-                <a:cubicBezTo>
-                  <a:pt x="7916367" y="17829"/>
-                  <a:pt x="8102967" y="-24363"/>
-                  <a:pt x="8248985" y="0"/>
-                </a:cubicBezTo>
-                <a:cubicBezTo>
-                  <a:pt x="8395003" y="24363"/>
-                  <a:pt x="8552393" y="25505"/>
-                  <a:pt x="8818817" y="0"/>
-                </a:cubicBezTo>
-                <a:cubicBezTo>
-                  <a:pt x="9085241" y="-25505"/>
-                  <a:pt x="9411308" y="38000"/>
-                  <a:pt x="9605726" y="0"/>
-                </a:cubicBezTo>
-                <a:cubicBezTo>
-                  <a:pt x="9800144" y="-38000"/>
-                  <a:pt x="10006468" y="-25741"/>
-                  <a:pt x="10175558" y="0"/>
-                </a:cubicBezTo>
-                <a:cubicBezTo>
-                  <a:pt x="10344648" y="25741"/>
-                  <a:pt x="10696282" y="695"/>
-                  <a:pt x="10853928" y="0"/>
-                </a:cubicBezTo>
-                <a:cubicBezTo>
-                  <a:pt x="10853521" y="8690"/>
-                  <a:pt x="10853774" y="14141"/>
-                  <a:pt x="10853928" y="18288"/>
-                </a:cubicBezTo>
-                <a:cubicBezTo>
-                  <a:pt x="10608124" y="24255"/>
-                  <a:pt x="10343415" y="22307"/>
-                  <a:pt x="10067018" y="18288"/>
-                </a:cubicBezTo>
-                <a:cubicBezTo>
-                  <a:pt x="9790621" y="14270"/>
-                  <a:pt x="9843266" y="3564"/>
-                  <a:pt x="9714266" y="18288"/>
-                </a:cubicBezTo>
-                <a:cubicBezTo>
-                  <a:pt x="9585266" y="33012"/>
-                  <a:pt x="9379484" y="1875"/>
-                  <a:pt x="9252974" y="18288"/>
-                </a:cubicBezTo>
-                <a:cubicBezTo>
-                  <a:pt x="9126464" y="34701"/>
-                  <a:pt x="8580678" y="-4904"/>
-                  <a:pt x="8357525" y="18288"/>
-                </a:cubicBezTo>
-                <a:cubicBezTo>
-                  <a:pt x="8134372" y="41480"/>
-                  <a:pt x="7903199" y="26458"/>
-                  <a:pt x="7679154" y="18288"/>
-                </a:cubicBezTo>
-                <a:cubicBezTo>
-                  <a:pt x="7455109" y="10118"/>
-                  <a:pt x="7435944" y="27109"/>
-                  <a:pt x="7217862" y="18288"/>
-                </a:cubicBezTo>
-                <a:cubicBezTo>
-                  <a:pt x="6999780" y="9467"/>
-                  <a:pt x="6680409" y="18985"/>
-                  <a:pt x="6539492" y="18288"/>
-                </a:cubicBezTo>
-                <a:cubicBezTo>
-                  <a:pt x="6398575" y="17592"/>
-                  <a:pt x="6312077" y="33018"/>
-                  <a:pt x="6186739" y="18288"/>
-                </a:cubicBezTo>
-                <a:cubicBezTo>
-                  <a:pt x="6061401" y="3558"/>
-                  <a:pt x="5947033" y="12075"/>
-                  <a:pt x="5833986" y="18288"/>
-                </a:cubicBezTo>
-                <a:cubicBezTo>
-                  <a:pt x="5720939" y="24501"/>
-                  <a:pt x="5482226" y="8586"/>
-                  <a:pt x="5155616" y="18288"/>
-                </a:cubicBezTo>
-                <a:cubicBezTo>
-                  <a:pt x="4829006" y="27991"/>
-                  <a:pt x="4841274" y="29316"/>
-                  <a:pt x="4694324" y="18288"/>
-                </a:cubicBezTo>
-                <a:cubicBezTo>
-                  <a:pt x="4547374" y="7260"/>
-                  <a:pt x="4077675" y="7013"/>
-                  <a:pt x="3907414" y="18288"/>
-                </a:cubicBezTo>
-                <a:cubicBezTo>
-                  <a:pt x="3737153" y="29564"/>
-                  <a:pt x="3538393" y="21630"/>
-                  <a:pt x="3446122" y="18288"/>
-                </a:cubicBezTo>
-                <a:cubicBezTo>
-                  <a:pt x="3353851" y="14946"/>
-                  <a:pt x="2990320" y="-8091"/>
-                  <a:pt x="2659212" y="18288"/>
-                </a:cubicBezTo>
-                <a:cubicBezTo>
-                  <a:pt x="2328104" y="44667"/>
-                  <a:pt x="2427653" y="9607"/>
-                  <a:pt x="2306460" y="18288"/>
-                </a:cubicBezTo>
-                <a:cubicBezTo>
-                  <a:pt x="2185267" y="26969"/>
-                  <a:pt x="1719763" y="3717"/>
-                  <a:pt x="1519550" y="18288"/>
-                </a:cubicBezTo>
-                <a:cubicBezTo>
-                  <a:pt x="1319337" y="32860"/>
-                  <a:pt x="1167371" y="17040"/>
-                  <a:pt x="1058258" y="18288"/>
-                </a:cubicBezTo>
-                <a:cubicBezTo>
-                  <a:pt x="949145" y="19536"/>
-                  <a:pt x="780234" y="31447"/>
-                  <a:pt x="705505" y="18288"/>
-                </a:cubicBezTo>
-                <a:cubicBezTo>
-                  <a:pt x="630776" y="5129"/>
-                  <a:pt x="215796" y="30056"/>
+                  <a:pt x="285465" y="225"/>
+                  <a:pt x="322691" y="16223"/>
+                  <a:pt x="595274" y="0"/>
+                </a:cubicBezTo>
+                <a:cubicBezTo>
+                  <a:pt x="867857" y="-16223"/>
+                  <a:pt x="989129" y="-11242"/>
+                  <a:pt x="1100938" y="0"/>
+                </a:cubicBezTo>
+                <a:cubicBezTo>
+                  <a:pt x="1212747" y="11242"/>
+                  <a:pt x="1574350" y="-36410"/>
+                  <a:pt x="1830629" y="0"/>
+                </a:cubicBezTo>
+                <a:cubicBezTo>
+                  <a:pt x="2086908" y="36410"/>
+                  <a:pt x="2180922" y="4645"/>
+                  <a:pt x="2425903" y="0"/>
+                </a:cubicBezTo>
+                <a:cubicBezTo>
+                  <a:pt x="2670884" y="-4645"/>
+                  <a:pt x="2782024" y="22929"/>
+                  <a:pt x="3021178" y="0"/>
+                </a:cubicBezTo>
+                <a:cubicBezTo>
+                  <a:pt x="3260332" y="-22929"/>
+                  <a:pt x="3456982" y="-1586"/>
+                  <a:pt x="3750869" y="0"/>
+                </a:cubicBezTo>
+                <a:cubicBezTo>
+                  <a:pt x="4044756" y="1586"/>
+                  <a:pt x="4302726" y="17043"/>
+                  <a:pt x="4480560" y="0"/>
+                </a:cubicBezTo>
+                <a:cubicBezTo>
+                  <a:pt x="4479674" y="5429"/>
+                  <a:pt x="4481381" y="14046"/>
+                  <a:pt x="4480560" y="18288"/>
+                </a:cubicBezTo>
+                <a:cubicBezTo>
+                  <a:pt x="4279652" y="-6850"/>
+                  <a:pt x="4200762" y="41566"/>
+                  <a:pt x="3930091" y="18288"/>
+                </a:cubicBezTo>
+                <a:cubicBezTo>
+                  <a:pt x="3659420" y="-4990"/>
+                  <a:pt x="3456052" y="22294"/>
+                  <a:pt x="3290011" y="18288"/>
+                </a:cubicBezTo>
+                <a:cubicBezTo>
+                  <a:pt x="3123970" y="14282"/>
+                  <a:pt x="2882392" y="32818"/>
+                  <a:pt x="2649931" y="18288"/>
+                </a:cubicBezTo>
+                <a:cubicBezTo>
+                  <a:pt x="2417470" y="3758"/>
+                  <a:pt x="2238426" y="7337"/>
+                  <a:pt x="2054657" y="18288"/>
+                </a:cubicBezTo>
+                <a:cubicBezTo>
+                  <a:pt x="1870888" y="29239"/>
+                  <a:pt x="1566368" y="45040"/>
+                  <a:pt x="1324966" y="18288"/>
+                </a:cubicBezTo>
+                <a:cubicBezTo>
+                  <a:pt x="1083564" y="-8464"/>
+                  <a:pt x="787410" y="10946"/>
+                  <a:pt x="595274" y="18288"/>
+                </a:cubicBezTo>
+                <a:cubicBezTo>
+                  <a:pt x="403138" y="25630"/>
+                  <a:pt x="169622" y="10499"/>
                   <a:pt x="0" y="18288"/>
                 </a:cubicBezTo>
                 <a:cubicBezTo>
-                  <a:pt x="-53" y="11301"/>
-                  <a:pt x="-649" y="7756"/>
+                  <a:pt x="668" y="13665"/>
+                  <a:pt x="578" y="5675"/>
                   <a:pt x="0" y="0"/>
                 </a:cubicBezTo>
                 <a:close/>
@@ -9352,24 +9552,36 @@
         </p:nvSpPr>
         <p:spPr>
           <a:xfrm>
-            <a:off x="838200" y="1929384"/>
-            <a:ext cx="10515600" cy="4251960"/>
+            <a:off x="5126418" y="552091"/>
+            <a:ext cx="6224335" cy="5431536"/>
           </a:xfrm>
         </p:spPr>
         <p:txBody>
-          <a:bodyPr vert="horz" lIns="91440" tIns="45720" rIns="91440" bIns="45720" rtlCol="0">
+          <a:bodyPr vert="horz" lIns="91440" tIns="45720" rIns="91440" bIns="45720" rtlCol="0" anchor="ctr">
             <a:normAutofit/>
           </a:bodyPr>
           <a:lstStyle/>
           <a:p>
             <a:r>
-              <a:rPr lang="en-US" sz="2200">
+              <a:rPr lang="en-US" sz="2200" dirty="0">
                 <a:ea typeface="+mn-lt"/>
                 <a:cs typeface="+mn-lt"/>
               </a:rPr>
-              <a:t>In the post-dominator tree, an immediate dominator of a node N is the node that post-dominates N but does not post-dominate any other node that also post-dominates N. In simpler terms, the immediate dominator of a node is the nearest node in the post-dominator tree that has control over the execution flow of the given node.</a:t>
+              <a:t>Immediate dominators represent the closest dominator for each node in forward control flow</a:t>
             </a:r>
-            <a:endParaRPr lang="en-US" sz="2200"/>
+          </a:p>
+          <a:p>
+            <a:endParaRPr lang="en-US" sz="2200" dirty="0">
+              <a:cs typeface="Calibri"/>
+            </a:endParaRPr>
+          </a:p>
+          <a:p>
+            <a:r>
+              <a:rPr lang="en-US" sz="2200" dirty="0">
+                <a:cs typeface="Calibri"/>
+              </a:rPr>
+              <a:t>Semi dominator of node A is the smallest node B such that a path from B to A exists and no vertices on that path except B are no smaller than A</a:t>
+            </a:r>
           </a:p>
         </p:txBody>
       </p:sp>
@@ -9377,6 +9589,2026 @@
     <p:extLst>
       <p:ext uri="{BB962C8B-B14F-4D97-AF65-F5344CB8AC3E}">
         <p14:creationId xmlns:p14="http://schemas.microsoft.com/office/powerpoint/2010/main" val="3259009068"/>
+      </p:ext>
+    </p:extLst>
+  </p:cSld>
+  <p:clrMapOvr>
+    <a:masterClrMapping/>
+  </p:clrMapOvr>
+</p:sld>
+</file>
+
+<file path=ppt/slides/slide14.xml><?xml version="1.0" encoding="utf-8"?>
+<p:sld xmlns:a="http://schemas.openxmlformats.org/drawingml/2006/main" xmlns:r="http://schemas.openxmlformats.org/officeDocument/2006/relationships" xmlns:p="http://schemas.openxmlformats.org/presentationml/2006/main">
+  <p:cSld>
+    <p:bg>
+      <p:bgPr>
+        <a:solidFill>
+          <a:schemeClr val="bg1"/>
+        </a:solidFill>
+        <a:effectLst/>
+      </p:bgPr>
+    </p:bg>
+    <p:spTree>
+      <p:nvGrpSpPr>
+        <p:cNvPr id="1" name=""/>
+        <p:cNvGrpSpPr/>
+        <p:nvPr/>
+      </p:nvGrpSpPr>
+      <p:grpSpPr>
+        <a:xfrm>
+          <a:off x="0" y="0"/>
+          <a:ext cx="0" cy="0"/>
+          <a:chOff x="0" y="0"/>
+          <a:chExt cx="0" cy="0"/>
+        </a:xfrm>
+      </p:grpSpPr>
+      <p:sp>
+        <p:nvSpPr>
+          <p:cNvPr id="9" name="Rectangle 8">
+            <a:extLst>
+              <a:ext uri="{FF2B5EF4-FFF2-40B4-BE49-F238E27FC236}">
+                <a16:creationId xmlns:a16="http://schemas.microsoft.com/office/drawing/2014/main" id="{F3060C83-F051-4F0E-ABAD-AA0DFC48B218}"/>
+              </a:ext>
+              <a:ext uri="{C183D7F6-B498-43B3-948B-1728B52AA6E4}">
+                <adec:decorative xmlns:adec="http://schemas.microsoft.com/office/drawing/2017/decorative" val="1"/>
+              </a:ext>
+            </a:extLst>
+          </p:cNvPr>
+          <p:cNvSpPr>
+            <a:spLocks noGrp="1" noRot="1" noChangeAspect="1" noMove="1" noResize="1" noEditPoints="1" noAdjustHandles="1" noChangeArrowheads="1" noChangeShapeType="1" noTextEdit="1"/>
+          </p:cNvSpPr>
+          <p:nvPr>
+            <p:extLst>
+              <p:ext uri="{386F3935-93C4-4BCD-93E2-E3B085C9AB24}">
+                <p16:designElem xmlns:p16="http://schemas.microsoft.com/office/powerpoint/2015/main" val="1"/>
+              </p:ext>
+            </p:extLst>
+          </p:nvPr>
+        </p:nvSpPr>
+        <p:spPr>
+          <a:xfrm>
+            <a:off x="0" y="0"/>
+            <a:ext cx="12192000" cy="6858000"/>
+          </a:xfrm>
+          <a:prstGeom prst="rect">
+            <a:avLst/>
+          </a:prstGeom>
+          <a:solidFill>
+            <a:schemeClr val="bg1"/>
+          </a:solidFill>
+          <a:ln>
+            <a:noFill/>
+          </a:ln>
+        </p:spPr>
+        <p:style>
+          <a:lnRef idx="2">
+            <a:schemeClr val="accent1">
+              <a:shade val="50000"/>
+            </a:schemeClr>
+          </a:lnRef>
+          <a:fillRef idx="1">
+            <a:schemeClr val="accent1"/>
+          </a:fillRef>
+          <a:effectRef idx="0">
+            <a:schemeClr val="accent1"/>
+          </a:effectRef>
+          <a:fontRef idx="minor">
+            <a:schemeClr val="lt1"/>
+          </a:fontRef>
+        </p:style>
+        <p:txBody>
+          <a:bodyPr rtlCol="0" anchor="ctr"/>
+          <a:lstStyle/>
+          <a:p>
+            <a:pPr algn="ctr"/>
+            <a:endParaRPr lang="en-US" dirty="0"/>
+          </a:p>
+        </p:txBody>
+      </p:sp>
+      <p:sp>
+        <p:nvSpPr>
+          <p:cNvPr id="11" name="Freeform: Shape 10">
+            <a:extLst>
+              <a:ext uri="{FF2B5EF4-FFF2-40B4-BE49-F238E27FC236}">
+                <a16:creationId xmlns:a16="http://schemas.microsoft.com/office/drawing/2014/main" id="{83C98ABE-055B-441F-B07E-44F97F083C39}"/>
+              </a:ext>
+              <a:ext uri="{C183D7F6-B498-43B3-948B-1728B52AA6E4}">
+                <adec:decorative xmlns:adec="http://schemas.microsoft.com/office/drawing/2017/decorative" val="1"/>
+              </a:ext>
+            </a:extLst>
+          </p:cNvPr>
+          <p:cNvSpPr>
+            <a:spLocks noGrp="1" noRot="1" noChangeAspect="1" noMove="1" noResize="1" noEditPoints="1" noAdjustHandles="1" noChangeArrowheads="1" noChangeShapeType="1" noTextEdit="1"/>
+          </p:cNvSpPr>
+          <p:nvPr>
+            <p:extLst>
+              <p:ext uri="{386F3935-93C4-4BCD-93E2-E3B085C9AB24}">
+                <p16:designElem xmlns:p16="http://schemas.microsoft.com/office/powerpoint/2015/main" val="1"/>
+              </p:ext>
+            </p:extLst>
+          </p:nvPr>
+        </p:nvSpPr>
+        <p:spPr>
+          <a:xfrm rot="18900000" flipH="1">
+            <a:off x="-376156" y="-253670"/>
+            <a:ext cx="1827638" cy="1376989"/>
+          </a:xfrm>
+          <a:custGeom>
+            <a:avLst/>
+            <a:gdLst>
+              <a:gd name="connsiteX0" fmla="*/ 0 w 1827638"/>
+              <a:gd name="connsiteY0" fmla="*/ 987379 h 1376989"/>
+              <a:gd name="connsiteX1" fmla="*/ 987379 w 1827638"/>
+              <a:gd name="connsiteY1" fmla="*/ 0 h 1376989"/>
+              <a:gd name="connsiteX2" fmla="*/ 1827638 w 1827638"/>
+              <a:gd name="connsiteY2" fmla="*/ 840260 h 1376989"/>
+              <a:gd name="connsiteX3" fmla="*/ 1827638 w 1827638"/>
+              <a:gd name="connsiteY3" fmla="*/ 1376989 h 1376989"/>
+              <a:gd name="connsiteX4" fmla="*/ 0 w 1827638"/>
+              <a:gd name="connsiteY4" fmla="*/ 1376989 h 1376989"/>
+            </a:gdLst>
+            <a:ahLst/>
+            <a:cxnLst>
+              <a:cxn ang="0">
+                <a:pos x="connsiteX0" y="connsiteY0"/>
+              </a:cxn>
+              <a:cxn ang="0">
+                <a:pos x="connsiteX1" y="connsiteY1"/>
+              </a:cxn>
+              <a:cxn ang="0">
+                <a:pos x="connsiteX2" y="connsiteY2"/>
+              </a:cxn>
+              <a:cxn ang="0">
+                <a:pos x="connsiteX3" y="connsiteY3"/>
+              </a:cxn>
+              <a:cxn ang="0">
+                <a:pos x="connsiteX4" y="connsiteY4"/>
+              </a:cxn>
+            </a:cxnLst>
+            <a:rect l="l" t="t" r="r" b="b"/>
+            <a:pathLst>
+              <a:path w="1827638" h="1376989">
+                <a:moveTo>
+                  <a:pt x="0" y="987379"/>
+                </a:moveTo>
+                <a:lnTo>
+                  <a:pt x="987379" y="0"/>
+                </a:lnTo>
+                <a:lnTo>
+                  <a:pt x="1827638" y="840260"/>
+                </a:lnTo>
+                <a:lnTo>
+                  <a:pt x="1827638" y="1376989"/>
+                </a:lnTo>
+                <a:lnTo>
+                  <a:pt x="0" y="1376989"/>
+                </a:lnTo>
+                <a:close/>
+              </a:path>
+            </a:pathLst>
+          </a:custGeom>
+          <a:solidFill>
+            <a:schemeClr val="accent1">
+              <a:alpha val="30000"/>
+            </a:schemeClr>
+          </a:solidFill>
+          <a:ln>
+            <a:noFill/>
+          </a:ln>
+        </p:spPr>
+        <p:style>
+          <a:lnRef idx="2">
+            <a:schemeClr val="accent1">
+              <a:shade val="50000"/>
+            </a:schemeClr>
+          </a:lnRef>
+          <a:fillRef idx="1">
+            <a:schemeClr val="accent1"/>
+          </a:fillRef>
+          <a:effectRef idx="0">
+            <a:schemeClr val="accent1"/>
+          </a:effectRef>
+          <a:fontRef idx="minor">
+            <a:schemeClr val="lt1"/>
+          </a:fontRef>
+        </p:style>
+        <p:txBody>
+          <a:bodyPr rtlCol="0" anchor="ctr"/>
+          <a:lstStyle/>
+          <a:p>
+            <a:pPr algn="ctr"/>
+            <a:endParaRPr lang="en-US" dirty="0"/>
+          </a:p>
+        </p:txBody>
+      </p:sp>
+      <p:sp>
+        <p:nvSpPr>
+          <p:cNvPr id="13" name="Rectangle 12">
+            <a:extLst>
+              <a:ext uri="{FF2B5EF4-FFF2-40B4-BE49-F238E27FC236}">
+                <a16:creationId xmlns:a16="http://schemas.microsoft.com/office/drawing/2014/main" id="{29FDB030-9B49-4CED-8CCD-4D99382388AC}"/>
+              </a:ext>
+              <a:ext uri="{C183D7F6-B498-43B3-948B-1728B52AA6E4}">
+                <adec:decorative xmlns:adec="http://schemas.microsoft.com/office/drawing/2017/decorative" val="1"/>
+              </a:ext>
+            </a:extLst>
+          </p:cNvPr>
+          <p:cNvSpPr>
+            <a:spLocks noGrp="1" noRot="1" noChangeAspect="1" noMove="1" noResize="1" noEditPoints="1" noAdjustHandles="1" noChangeArrowheads="1" noChangeShapeType="1" noTextEdit="1"/>
+          </p:cNvSpPr>
+          <p:nvPr>
+            <p:extLst>
+              <p:ext uri="{386F3935-93C4-4BCD-93E2-E3B085C9AB24}">
+                <p16:designElem xmlns:p16="http://schemas.microsoft.com/office/powerpoint/2015/main" val="1"/>
+              </p:ext>
+            </p:extLst>
+          </p:nvPr>
+        </p:nvSpPr>
+        <p:spPr>
+          <a:xfrm rot="18900000" flipH="1">
+            <a:off x="891641" y="422146"/>
+            <a:ext cx="645368" cy="645368"/>
+          </a:xfrm>
+          <a:prstGeom prst="rect">
+            <a:avLst/>
+          </a:prstGeom>
+          <a:solidFill>
+            <a:schemeClr val="accent1">
+              <a:alpha val="30000"/>
+            </a:schemeClr>
+          </a:solidFill>
+          <a:ln>
+            <a:noFill/>
+          </a:ln>
+        </p:spPr>
+        <p:style>
+          <a:lnRef idx="2">
+            <a:schemeClr val="accent1">
+              <a:shade val="50000"/>
+            </a:schemeClr>
+          </a:lnRef>
+          <a:fillRef idx="1">
+            <a:schemeClr val="accent1"/>
+          </a:fillRef>
+          <a:effectRef idx="0">
+            <a:schemeClr val="accent1"/>
+          </a:effectRef>
+          <a:fontRef idx="minor">
+            <a:schemeClr val="lt1"/>
+          </a:fontRef>
+        </p:style>
+        <p:txBody>
+          <a:bodyPr rtlCol="0" anchor="ctr"/>
+          <a:lstStyle/>
+          <a:p>
+            <a:pPr algn="ctr"/>
+            <a:endParaRPr lang="en-US"/>
+          </a:p>
+        </p:txBody>
+      </p:sp>
+      <p:sp>
+        <p:nvSpPr>
+          <p:cNvPr id="15" name="Rectangle 14">
+            <a:extLst>
+              <a:ext uri="{FF2B5EF4-FFF2-40B4-BE49-F238E27FC236}">
+                <a16:creationId xmlns:a16="http://schemas.microsoft.com/office/drawing/2014/main" id="{3783CA14-24A1-485C-8B30-D6A5D87987AD}"/>
+              </a:ext>
+              <a:ext uri="{C183D7F6-B498-43B3-948B-1728B52AA6E4}">
+                <adec:decorative xmlns:adec="http://schemas.microsoft.com/office/drawing/2017/decorative" val="1"/>
+              </a:ext>
+            </a:extLst>
+          </p:cNvPr>
+          <p:cNvSpPr>
+            <a:spLocks noGrp="1" noRot="1" noChangeAspect="1" noMove="1" noResize="1" noEditPoints="1" noAdjustHandles="1" noChangeArrowheads="1" noChangeShapeType="1" noTextEdit="1"/>
+          </p:cNvSpPr>
+          <p:nvPr>
+            <p:extLst>
+              <p:ext uri="{386F3935-93C4-4BCD-93E2-E3B085C9AB24}">
+                <p16:designElem xmlns:p16="http://schemas.microsoft.com/office/powerpoint/2015/main" val="1"/>
+              </p:ext>
+            </p:extLst>
+          </p:nvPr>
+        </p:nvSpPr>
+        <p:spPr>
+          <a:xfrm rot="18900000" flipH="1">
+            <a:off x="10043482" y="655140"/>
+            <a:ext cx="687472" cy="687472"/>
+          </a:xfrm>
+          <a:prstGeom prst="rect">
+            <a:avLst/>
+          </a:prstGeom>
+          <a:solidFill>
+            <a:schemeClr val="accent4">
+              <a:alpha val="30000"/>
+            </a:schemeClr>
+          </a:solidFill>
+          <a:ln>
+            <a:noFill/>
+          </a:ln>
+        </p:spPr>
+        <p:style>
+          <a:lnRef idx="2">
+            <a:schemeClr val="accent1">
+              <a:shade val="50000"/>
+            </a:schemeClr>
+          </a:lnRef>
+          <a:fillRef idx="1">
+            <a:schemeClr val="accent1"/>
+          </a:fillRef>
+          <a:effectRef idx="0">
+            <a:schemeClr val="accent1"/>
+          </a:effectRef>
+          <a:fontRef idx="minor">
+            <a:schemeClr val="lt1"/>
+          </a:fontRef>
+        </p:style>
+        <p:txBody>
+          <a:bodyPr rtlCol="0" anchor="ctr"/>
+          <a:lstStyle/>
+          <a:p>
+            <a:pPr algn="ctr"/>
+            <a:endParaRPr lang="en-US"/>
+          </a:p>
+        </p:txBody>
+      </p:sp>
+      <p:sp>
+        <p:nvSpPr>
+          <p:cNvPr id="17" name="Freeform: Shape 16">
+            <a:extLst>
+              <a:ext uri="{FF2B5EF4-FFF2-40B4-BE49-F238E27FC236}">
+                <a16:creationId xmlns:a16="http://schemas.microsoft.com/office/drawing/2014/main" id="{9A97C86A-04D6-40F7-AE84-31AB43E6A846}"/>
+              </a:ext>
+              <a:ext uri="{C183D7F6-B498-43B3-948B-1728B52AA6E4}">
+                <adec:decorative xmlns:adec="http://schemas.microsoft.com/office/drawing/2017/decorative" val="1"/>
+              </a:ext>
+            </a:extLst>
+          </p:cNvPr>
+          <p:cNvSpPr>
+            <a:spLocks noGrp="1" noRot="1" noChangeAspect="1" noMove="1" noResize="1" noEditPoints="1" noAdjustHandles="1" noChangeArrowheads="1" noChangeShapeType="1" noTextEdit="1"/>
+          </p:cNvSpPr>
+          <p:nvPr>
+            <p:extLst>
+              <p:ext uri="{386F3935-93C4-4BCD-93E2-E3B085C9AB24}">
+                <p16:designElem xmlns:p16="http://schemas.microsoft.com/office/powerpoint/2015/main" val="1"/>
+              </p:ext>
+            </p:extLst>
+          </p:nvPr>
+        </p:nvSpPr>
+        <p:spPr>
+          <a:xfrm rot="10800000" flipH="1">
+            <a:off x="9356643" y="0"/>
+            <a:ext cx="2835357" cy="1480837"/>
+          </a:xfrm>
+          <a:custGeom>
+            <a:avLst/>
+            <a:gdLst>
+              <a:gd name="connsiteX0" fmla="*/ 2835357 w 2835357"/>
+              <a:gd name="connsiteY0" fmla="*/ 1480837 h 1480837"/>
+              <a:gd name="connsiteX1" fmla="*/ 0 w 2835357"/>
+              <a:gd name="connsiteY1" fmla="*/ 1480837 h 1480837"/>
+              <a:gd name="connsiteX2" fmla="*/ 1552727 w 2835357"/>
+              <a:gd name="connsiteY2" fmla="*/ 0 h 1480837"/>
+              <a:gd name="connsiteX3" fmla="*/ 2835357 w 2835357"/>
+              <a:gd name="connsiteY3" fmla="*/ 1223245 h 1480837"/>
+            </a:gdLst>
+            <a:ahLst/>
+            <a:cxnLst>
+              <a:cxn ang="0">
+                <a:pos x="connsiteX0" y="connsiteY0"/>
+              </a:cxn>
+              <a:cxn ang="0">
+                <a:pos x="connsiteX1" y="connsiteY1"/>
+              </a:cxn>
+              <a:cxn ang="0">
+                <a:pos x="connsiteX2" y="connsiteY2"/>
+              </a:cxn>
+              <a:cxn ang="0">
+                <a:pos x="connsiteX3" y="connsiteY3"/>
+              </a:cxn>
+            </a:cxnLst>
+            <a:rect l="l" t="t" r="r" b="b"/>
+            <a:pathLst>
+              <a:path w="2835357" h="1480837">
+                <a:moveTo>
+                  <a:pt x="2835357" y="1480837"/>
+                </a:moveTo>
+                <a:lnTo>
+                  <a:pt x="0" y="1480837"/>
+                </a:lnTo>
+                <a:lnTo>
+                  <a:pt x="1552727" y="0"/>
+                </a:lnTo>
+                <a:lnTo>
+                  <a:pt x="2835357" y="1223245"/>
+                </a:lnTo>
+                <a:close/>
+              </a:path>
+            </a:pathLst>
+          </a:custGeom>
+          <a:solidFill>
+            <a:schemeClr val="accent4">
+              <a:alpha val="30000"/>
+            </a:schemeClr>
+          </a:solidFill>
+          <a:ln>
+            <a:noFill/>
+          </a:ln>
+        </p:spPr>
+        <p:style>
+          <a:lnRef idx="2">
+            <a:schemeClr val="accent1">
+              <a:shade val="50000"/>
+            </a:schemeClr>
+          </a:lnRef>
+          <a:fillRef idx="1">
+            <a:schemeClr val="accent1"/>
+          </a:fillRef>
+          <a:effectRef idx="0">
+            <a:schemeClr val="accent1"/>
+          </a:effectRef>
+          <a:fontRef idx="minor">
+            <a:schemeClr val="lt1"/>
+          </a:fontRef>
+        </p:style>
+        <p:txBody>
+          <a:bodyPr wrap="square" rtlCol="0" anchor="ctr">
+            <a:noAutofit/>
+          </a:bodyPr>
+          <a:lstStyle/>
+          <a:p>
+            <a:pPr algn="ctr"/>
+            <a:endParaRPr lang="en-US" dirty="0"/>
+          </a:p>
+        </p:txBody>
+      </p:sp>
+      <p:sp>
+        <p:nvSpPr>
+          <p:cNvPr id="19" name="Isosceles Triangle 18">
+            <a:extLst>
+              <a:ext uri="{FF2B5EF4-FFF2-40B4-BE49-F238E27FC236}">
+                <a16:creationId xmlns:a16="http://schemas.microsoft.com/office/drawing/2014/main" id="{FF9F2414-84E8-453E-B1F3-389FDE8192D9}"/>
+              </a:ext>
+              <a:ext uri="{C183D7F6-B498-43B3-948B-1728B52AA6E4}">
+                <adec:decorative xmlns:adec="http://schemas.microsoft.com/office/drawing/2017/decorative" val="1"/>
+              </a:ext>
+            </a:extLst>
+          </p:cNvPr>
+          <p:cNvSpPr>
+            <a:spLocks noGrp="1" noRot="1" noChangeAspect="1" noMove="1" noResize="1" noEditPoints="1" noAdjustHandles="1" noChangeArrowheads="1" noChangeShapeType="1" noTextEdit="1"/>
+          </p:cNvSpPr>
+          <p:nvPr>
+            <p:extLst>
+              <p:ext uri="{386F3935-93C4-4BCD-93E2-E3B085C9AB24}">
+                <p16:designElem xmlns:p16="http://schemas.microsoft.com/office/powerpoint/2015/main" val="1"/>
+              </p:ext>
+            </p:extLst>
+          </p:nvPr>
+        </p:nvSpPr>
+        <p:spPr>
+          <a:xfrm flipH="1">
+            <a:off x="7976344" y="6115501"/>
+            <a:ext cx="1494513" cy="742499"/>
+          </a:xfrm>
+          <a:prstGeom prst="triangle">
+            <a:avLst/>
+          </a:prstGeom>
+          <a:solidFill>
+            <a:schemeClr val="accent1">
+              <a:alpha val="30000"/>
+            </a:schemeClr>
+          </a:solidFill>
+          <a:ln>
+            <a:noFill/>
+          </a:ln>
+        </p:spPr>
+        <p:style>
+          <a:lnRef idx="2">
+            <a:schemeClr val="accent1">
+              <a:shade val="50000"/>
+            </a:schemeClr>
+          </a:lnRef>
+          <a:fillRef idx="1">
+            <a:schemeClr val="accent1"/>
+          </a:fillRef>
+          <a:effectRef idx="0">
+            <a:schemeClr val="accent1"/>
+          </a:effectRef>
+          <a:fontRef idx="minor">
+            <a:schemeClr val="lt1"/>
+          </a:fontRef>
+        </p:style>
+        <p:txBody>
+          <a:bodyPr rtlCol="0" anchor="ctr"/>
+          <a:lstStyle/>
+          <a:p>
+            <a:pPr algn="ctr"/>
+            <a:endParaRPr lang="en-US"/>
+          </a:p>
+        </p:txBody>
+      </p:sp>
+      <p:pic>
+        <p:nvPicPr>
+          <p:cNvPr id="4" name="Picture 4" descr="Diagram&#10;&#10;Description automatically generated">
+            <a:extLst>
+              <a:ext uri="{FF2B5EF4-FFF2-40B4-BE49-F238E27FC236}">
+                <a16:creationId xmlns:a16="http://schemas.microsoft.com/office/drawing/2014/main" id="{1D05C275-5414-E0B6-0888-9C66A75A2C7C}"/>
+              </a:ext>
+            </a:extLst>
+          </p:cNvPr>
+          <p:cNvPicPr>
+            <a:picLocks noGrp="1" noChangeAspect="1"/>
+          </p:cNvPicPr>
+          <p:nvPr>
+            <p:ph idx="1"/>
+          </p:nvPr>
+        </p:nvPicPr>
+        <p:blipFill>
+          <a:blip r:embed="rId2"/>
+          <a:stretch>
+            <a:fillRect/>
+          </a:stretch>
+        </p:blipFill>
+        <p:spPr>
+          <a:xfrm>
+            <a:off x="3679551" y="643467"/>
+            <a:ext cx="4832898" cy="5571065"/>
+          </a:xfrm>
+          <a:prstGeom prst="rect">
+            <a:avLst/>
+          </a:prstGeom>
+          <a:ln>
+            <a:noFill/>
+          </a:ln>
+        </p:spPr>
+      </p:pic>
+      <p:sp>
+        <p:nvSpPr>
+          <p:cNvPr id="21" name="Isosceles Triangle 20">
+            <a:extLst>
+              <a:ext uri="{FF2B5EF4-FFF2-40B4-BE49-F238E27FC236}">
+                <a16:creationId xmlns:a16="http://schemas.microsoft.com/office/drawing/2014/main" id="{3ECA69A1-7536-43AC-85EF-C7106179F5ED}"/>
+              </a:ext>
+              <a:ext uri="{C183D7F6-B498-43B3-948B-1728B52AA6E4}">
+                <adec:decorative xmlns:adec="http://schemas.microsoft.com/office/drawing/2017/decorative" val="1"/>
+              </a:ext>
+            </a:extLst>
+          </p:cNvPr>
+          <p:cNvSpPr>
+            <a:spLocks noGrp="1" noRot="1" noChangeAspect="1" noMove="1" noResize="1" noEditPoints="1" noAdjustHandles="1" noChangeArrowheads="1" noChangeShapeType="1" noTextEdit="1"/>
+          </p:cNvSpPr>
+          <p:nvPr>
+            <p:extLst>
+              <p:ext uri="{386F3935-93C4-4BCD-93E2-E3B085C9AB24}">
+                <p16:designElem xmlns:p16="http://schemas.microsoft.com/office/powerpoint/2015/main" val="1"/>
+              </p:ext>
+            </p:extLst>
+          </p:nvPr>
+        </p:nvSpPr>
+        <p:spPr>
+          <a:xfrm flipH="1">
+            <a:off x="7604080" y="6453143"/>
+            <a:ext cx="814903" cy="404857"/>
+          </a:xfrm>
+          <a:prstGeom prst="triangle">
+            <a:avLst/>
+          </a:prstGeom>
+          <a:solidFill>
+            <a:schemeClr val="accent1">
+              <a:alpha val="30000"/>
+            </a:schemeClr>
+          </a:solidFill>
+          <a:ln>
+            <a:noFill/>
+          </a:ln>
+        </p:spPr>
+        <p:style>
+          <a:lnRef idx="2">
+            <a:schemeClr val="accent1">
+              <a:shade val="50000"/>
+            </a:schemeClr>
+          </a:lnRef>
+          <a:fillRef idx="1">
+            <a:schemeClr val="accent1"/>
+          </a:fillRef>
+          <a:effectRef idx="0">
+            <a:schemeClr val="accent1"/>
+          </a:effectRef>
+          <a:fontRef idx="minor">
+            <a:schemeClr val="lt1"/>
+          </a:fontRef>
+        </p:style>
+        <p:txBody>
+          <a:bodyPr rtlCol="0" anchor="ctr"/>
+          <a:lstStyle/>
+          <a:p>
+            <a:pPr algn="ctr"/>
+            <a:endParaRPr lang="en-US"/>
+          </a:p>
+        </p:txBody>
+      </p:sp>
+    </p:spTree>
+    <p:extLst>
+      <p:ext uri="{BB962C8B-B14F-4D97-AF65-F5344CB8AC3E}">
+        <p14:creationId xmlns:p14="http://schemas.microsoft.com/office/powerpoint/2010/main" val="1769424581"/>
+      </p:ext>
+    </p:extLst>
+  </p:cSld>
+  <p:clrMapOvr>
+    <a:masterClrMapping/>
+  </p:clrMapOvr>
+</p:sld>
+</file>
+
+<file path=ppt/slides/slide15.xml><?xml version="1.0" encoding="utf-8"?>
+<p:sld xmlns:a="http://schemas.openxmlformats.org/drawingml/2006/main" xmlns:r="http://schemas.openxmlformats.org/officeDocument/2006/relationships" xmlns:p="http://schemas.openxmlformats.org/presentationml/2006/main">
+  <p:cSld>
+    <p:bg>
+      <p:bgPr>
+        <a:solidFill>
+          <a:schemeClr val="bg1"/>
+        </a:solidFill>
+        <a:effectLst/>
+      </p:bgPr>
+    </p:bg>
+    <p:spTree>
+      <p:nvGrpSpPr>
+        <p:cNvPr id="1" name=""/>
+        <p:cNvGrpSpPr/>
+        <p:nvPr/>
+      </p:nvGrpSpPr>
+      <p:grpSpPr>
+        <a:xfrm>
+          <a:off x="0" y="0"/>
+          <a:ext cx="0" cy="0"/>
+          <a:chOff x="0" y="0"/>
+          <a:chExt cx="0" cy="0"/>
+        </a:xfrm>
+      </p:grpSpPr>
+      <p:sp useBgFill="1">
+        <p:nvSpPr>
+          <p:cNvPr id="8" name="Rectangle 7">
+            <a:extLst>
+              <a:ext uri="{FF2B5EF4-FFF2-40B4-BE49-F238E27FC236}">
+                <a16:creationId xmlns:a16="http://schemas.microsoft.com/office/drawing/2014/main" id="{B6CDA21F-E7AF-4C75-8395-33F58D5B0E45}"/>
+              </a:ext>
+              <a:ext uri="{C183D7F6-B498-43B3-948B-1728B52AA6E4}">
+                <adec:decorative xmlns:adec="http://schemas.microsoft.com/office/drawing/2017/decorative" val="1"/>
+              </a:ext>
+            </a:extLst>
+          </p:cNvPr>
+          <p:cNvSpPr>
+            <a:spLocks noGrp="1" noRot="1" noChangeAspect="1" noMove="1" noResize="1" noEditPoints="1" noAdjustHandles="1" noChangeArrowheads="1" noChangeShapeType="1" noTextEdit="1"/>
+          </p:cNvSpPr>
+          <p:nvPr>
+            <p:extLst>
+              <p:ext uri="{386F3935-93C4-4BCD-93E2-E3B085C9AB24}">
+                <p16:designElem xmlns:p16="http://schemas.microsoft.com/office/powerpoint/2015/main" val="1"/>
+              </p:ext>
+            </p:extLst>
+          </p:nvPr>
+        </p:nvSpPr>
+        <p:spPr>
+          <a:xfrm>
+            <a:off x="0" y="0"/>
+            <a:ext cx="12191999" cy="6857365"/>
+          </a:xfrm>
+          <a:prstGeom prst="rect">
+            <a:avLst/>
+          </a:prstGeom>
+          <a:ln>
+            <a:noFill/>
+          </a:ln>
+        </p:spPr>
+        <p:style>
+          <a:lnRef idx="2">
+            <a:schemeClr val="accent1">
+              <a:shade val="50000"/>
+            </a:schemeClr>
+          </a:lnRef>
+          <a:fillRef idx="1">
+            <a:schemeClr val="accent1"/>
+          </a:fillRef>
+          <a:effectRef idx="0">
+            <a:schemeClr val="accent1"/>
+          </a:effectRef>
+          <a:fontRef idx="minor">
+            <a:schemeClr val="lt1"/>
+          </a:fontRef>
+        </p:style>
+        <p:txBody>
+          <a:bodyPr rtlCol="0" anchor="ctr"/>
+          <a:lstStyle/>
+          <a:p>
+            <a:pPr algn="ctr"/>
+            <a:endParaRPr lang="en-US"/>
+          </a:p>
+        </p:txBody>
+      </p:sp>
+      <p:grpSp>
+        <p:nvGrpSpPr>
+          <p:cNvPr id="10" name="Group 9">
+            <a:extLst>
+              <a:ext uri="{FF2B5EF4-FFF2-40B4-BE49-F238E27FC236}">
+                <a16:creationId xmlns:a16="http://schemas.microsoft.com/office/drawing/2014/main" id="{AE1C45F0-260A-458C-96ED-C1F6D2151219}"/>
+              </a:ext>
+              <a:ext uri="{C183D7F6-B498-43B3-948B-1728B52AA6E4}">
+                <adec:decorative xmlns:adec="http://schemas.microsoft.com/office/drawing/2017/decorative" val="1"/>
+              </a:ext>
+            </a:extLst>
+          </p:cNvPr>
+          <p:cNvGrpSpPr>
+            <a:grpSpLocks noGrp="1" noUngrp="1" noRot="1" noChangeAspect="1" noMove="1" noResize="1"/>
+          </p:cNvGrpSpPr>
+          <p:nvPr>
+            <p:extLst>
+              <p:ext uri="{386F3935-93C4-4BCD-93E2-E3B085C9AB24}">
+                <p16:designElem xmlns:p16="http://schemas.microsoft.com/office/powerpoint/2015/main" val="1"/>
+              </p:ext>
+            </p:extLst>
+          </p:nvPr>
+        </p:nvGrpSpPr>
+        <p:grpSpPr>
+          <a:xfrm>
+            <a:off x="4" y="1216597"/>
+            <a:ext cx="731521" cy="673460"/>
+            <a:chOff x="3940602" y="308034"/>
+            <a:chExt cx="2116791" cy="3428999"/>
+          </a:xfrm>
+          <a:solidFill>
+            <a:schemeClr val="accent4"/>
+          </a:solidFill>
+        </p:grpSpPr>
+        <p:sp>
+          <p:nvSpPr>
+            <p:cNvPr id="11" name="Rectangle 10">
+              <a:extLst>
+                <a:ext uri="{FF2B5EF4-FFF2-40B4-BE49-F238E27FC236}">
+                  <a16:creationId xmlns:a16="http://schemas.microsoft.com/office/drawing/2014/main" id="{A6604B49-AD5C-4590-B051-06C8222ECD99}"/>
+                </a:ext>
+                <a:ext uri="{C183D7F6-B498-43B3-948B-1728B52AA6E4}">
+                  <adec:decorative xmlns:adec="http://schemas.microsoft.com/office/drawing/2017/decorative" val="1"/>
+                </a:ext>
+              </a:extLst>
+            </p:cNvPr>
+            <p:cNvSpPr/>
+            <p:nvPr>
+              <p:extLst>
+                <p:ext uri="{386F3935-93C4-4BCD-93E2-E3B085C9AB24}">
+                  <p16:designElem xmlns:p16="http://schemas.microsoft.com/office/powerpoint/2015/main" val="1"/>
+                </p:ext>
+              </p:extLst>
+            </p:nvPr>
+          </p:nvSpPr>
+          <p:spPr>
+            <a:xfrm>
+              <a:off x="3940602" y="308034"/>
+              <a:ext cx="566743" cy="3428999"/>
+            </a:xfrm>
+            <a:prstGeom prst="rect">
+              <a:avLst/>
+            </a:prstGeom>
+            <a:grpFill/>
+            <a:ln>
+              <a:noFill/>
+            </a:ln>
+          </p:spPr>
+          <p:style>
+            <a:lnRef idx="2">
+              <a:schemeClr val="accent1">
+                <a:shade val="50000"/>
+              </a:schemeClr>
+            </a:lnRef>
+            <a:fillRef idx="1">
+              <a:schemeClr val="accent1"/>
+            </a:fillRef>
+            <a:effectRef idx="0">
+              <a:schemeClr val="accent1"/>
+            </a:effectRef>
+            <a:fontRef idx="minor">
+              <a:schemeClr val="lt1"/>
+            </a:fontRef>
+          </p:style>
+          <p:txBody>
+            <a:bodyPr rtlCol="0" anchor="ctr"/>
+            <a:lstStyle/>
+            <a:p>
+              <a:pPr algn="ctr"/>
+              <a:endParaRPr lang="en-US"/>
+            </a:p>
+          </p:txBody>
+        </p:sp>
+        <p:sp>
+          <p:nvSpPr>
+            <p:cNvPr id="12" name="Rectangle 11">
+              <a:extLst>
+                <a:ext uri="{FF2B5EF4-FFF2-40B4-BE49-F238E27FC236}">
+                  <a16:creationId xmlns:a16="http://schemas.microsoft.com/office/drawing/2014/main" id="{743ECCAF-29C5-4537-947C-7EA1292463DB}"/>
+                </a:ext>
+                <a:ext uri="{C183D7F6-B498-43B3-948B-1728B52AA6E4}">
+                  <adec:decorative xmlns:adec="http://schemas.microsoft.com/office/drawing/2017/decorative" val="1"/>
+                </a:ext>
+              </a:extLst>
+            </p:cNvPr>
+            <p:cNvSpPr/>
+            <p:nvPr>
+              <p:extLst>
+                <p:ext uri="{386F3935-93C4-4BCD-93E2-E3B085C9AB24}">
+                  <p16:designElem xmlns:p16="http://schemas.microsoft.com/office/powerpoint/2015/main" val="1"/>
+                </p:ext>
+              </p:extLst>
+            </p:nvPr>
+          </p:nvSpPr>
+          <p:spPr>
+            <a:xfrm>
+              <a:off x="4715626" y="308034"/>
+              <a:ext cx="566743" cy="3428999"/>
+            </a:xfrm>
+            <a:prstGeom prst="rect">
+              <a:avLst/>
+            </a:prstGeom>
+            <a:grpFill/>
+            <a:ln>
+              <a:noFill/>
+            </a:ln>
+          </p:spPr>
+          <p:style>
+            <a:lnRef idx="2">
+              <a:schemeClr val="accent1">
+                <a:shade val="50000"/>
+              </a:schemeClr>
+            </a:lnRef>
+            <a:fillRef idx="1">
+              <a:schemeClr val="accent1"/>
+            </a:fillRef>
+            <a:effectRef idx="0">
+              <a:schemeClr val="accent1"/>
+            </a:effectRef>
+            <a:fontRef idx="minor">
+              <a:schemeClr val="lt1"/>
+            </a:fontRef>
+          </p:style>
+          <p:txBody>
+            <a:bodyPr rtlCol="0" anchor="ctr"/>
+            <a:lstStyle/>
+            <a:p>
+              <a:pPr algn="ctr"/>
+              <a:endParaRPr lang="en-US"/>
+            </a:p>
+          </p:txBody>
+        </p:sp>
+        <p:sp>
+          <p:nvSpPr>
+            <p:cNvPr id="13" name="Rectangle 12">
+              <a:extLst>
+                <a:ext uri="{FF2B5EF4-FFF2-40B4-BE49-F238E27FC236}">
+                  <a16:creationId xmlns:a16="http://schemas.microsoft.com/office/drawing/2014/main" id="{ED49787B-8DE6-4467-AD0A-8DECC6E0C2D6}"/>
+                </a:ext>
+                <a:ext uri="{C183D7F6-B498-43B3-948B-1728B52AA6E4}">
+                  <adec:decorative xmlns:adec="http://schemas.microsoft.com/office/drawing/2017/decorative" val="1"/>
+                </a:ext>
+              </a:extLst>
+            </p:cNvPr>
+            <p:cNvSpPr/>
+            <p:nvPr>
+              <p:extLst>
+                <p:ext uri="{386F3935-93C4-4BCD-93E2-E3B085C9AB24}">
+                  <p16:designElem xmlns:p16="http://schemas.microsoft.com/office/powerpoint/2015/main" val="1"/>
+                </p:ext>
+              </p:extLst>
+            </p:nvPr>
+          </p:nvSpPr>
+          <p:spPr>
+            <a:xfrm>
+              <a:off x="5490650" y="308034"/>
+              <a:ext cx="566743" cy="3428999"/>
+            </a:xfrm>
+            <a:prstGeom prst="rect">
+              <a:avLst/>
+            </a:prstGeom>
+            <a:grpFill/>
+            <a:ln>
+              <a:noFill/>
+            </a:ln>
+          </p:spPr>
+          <p:style>
+            <a:lnRef idx="2">
+              <a:schemeClr val="accent1">
+                <a:shade val="50000"/>
+              </a:schemeClr>
+            </a:lnRef>
+            <a:fillRef idx="1">
+              <a:schemeClr val="accent1"/>
+            </a:fillRef>
+            <a:effectRef idx="0">
+              <a:schemeClr val="accent1"/>
+            </a:effectRef>
+            <a:fontRef idx="minor">
+              <a:schemeClr val="lt1"/>
+            </a:fontRef>
+          </p:style>
+          <p:txBody>
+            <a:bodyPr rtlCol="0" anchor="ctr"/>
+            <a:lstStyle/>
+            <a:p>
+              <a:pPr algn="ctr"/>
+              <a:endParaRPr lang="en-US"/>
+            </a:p>
+          </p:txBody>
+        </p:sp>
+      </p:grpSp>
+      <p:sp>
+        <p:nvSpPr>
+          <p:cNvPr id="15" name="Rectangle 14">
+            <a:extLst>
+              <a:ext uri="{FF2B5EF4-FFF2-40B4-BE49-F238E27FC236}">
+                <a16:creationId xmlns:a16="http://schemas.microsoft.com/office/drawing/2014/main" id="{D5B0017B-2ECA-49AF-B397-DC140825DF8D}"/>
+              </a:ext>
+              <a:ext uri="{C183D7F6-B498-43B3-948B-1728B52AA6E4}">
+                <adec:decorative xmlns:adec="http://schemas.microsoft.com/office/drawing/2017/decorative" val="1"/>
+              </a:ext>
+            </a:extLst>
+          </p:cNvPr>
+          <p:cNvSpPr>
+            <a:spLocks noGrp="1" noRot="1" noChangeAspect="1" noMove="1" noResize="1" noEditPoints="1" noAdjustHandles="1" noChangeArrowheads="1" noChangeShapeType="1" noTextEdit="1"/>
+          </p:cNvSpPr>
+          <p:nvPr>
+            <p:extLst>
+              <p:ext uri="{386F3935-93C4-4BCD-93E2-E3B085C9AB24}">
+                <p16:designElem xmlns:p16="http://schemas.microsoft.com/office/powerpoint/2015/main" val="1"/>
+              </p:ext>
+            </p:extLst>
+          </p:nvPr>
+        </p:nvSpPr>
+        <p:spPr>
+          <a:xfrm>
+            <a:off x="640079" y="613954"/>
+            <a:ext cx="10907487" cy="1894116"/>
+          </a:xfrm>
+          <a:prstGeom prst="rect">
+            <a:avLst/>
+          </a:prstGeom>
+          <a:solidFill>
+            <a:schemeClr val="bg1"/>
+          </a:solidFill>
+          <a:ln>
+            <a:noFill/>
+          </a:ln>
+          <a:effectLst>
+            <a:outerShdw blurRad="139700" dist="127000" dir="5400000" algn="t" rotWithShape="0">
+              <a:prstClr val="black">
+                <a:alpha val="15000"/>
+              </a:prstClr>
+            </a:outerShdw>
+          </a:effectLst>
+        </p:spPr>
+        <p:style>
+          <a:lnRef idx="2">
+            <a:schemeClr val="accent1">
+              <a:shade val="50000"/>
+            </a:schemeClr>
+          </a:lnRef>
+          <a:fillRef idx="1">
+            <a:schemeClr val="accent1"/>
+          </a:fillRef>
+          <a:effectRef idx="0">
+            <a:schemeClr val="accent1"/>
+          </a:effectRef>
+          <a:fontRef idx="minor">
+            <a:schemeClr val="lt1"/>
+          </a:fontRef>
+        </p:style>
+        <p:txBody>
+          <a:bodyPr rtlCol="0" anchor="ctr"/>
+          <a:lstStyle/>
+          <a:p>
+            <a:pPr algn="ctr"/>
+            <a:endParaRPr lang="en-US"/>
+          </a:p>
+        </p:txBody>
+      </p:sp>
+      <p:sp>
+        <p:nvSpPr>
+          <p:cNvPr id="2" name="Title 1">
+            <a:extLst>
+              <a:ext uri="{FF2B5EF4-FFF2-40B4-BE49-F238E27FC236}">
+                <a16:creationId xmlns:a16="http://schemas.microsoft.com/office/drawing/2014/main" id="{AF2EB1BB-D4D8-88F7-F9AC-493D5937C78A}"/>
+              </a:ext>
+            </a:extLst>
+          </p:cNvPr>
+          <p:cNvSpPr>
+            <a:spLocks noGrp="1"/>
+          </p:cNvSpPr>
+          <p:nvPr>
+            <p:ph type="title"/>
+          </p:nvPr>
+        </p:nvSpPr>
+        <p:spPr>
+          <a:xfrm>
+            <a:off x="1043631" y="809898"/>
+            <a:ext cx="9942716" cy="1554480"/>
+          </a:xfrm>
+        </p:spPr>
+        <p:txBody>
+          <a:bodyPr anchor="ctr">
+            <a:normAutofit/>
+          </a:bodyPr>
+          <a:lstStyle/>
+          <a:p>
+            <a:r>
+              <a:rPr lang="en-US" sz="4800">
+                <a:cs typeface="Calibri Light"/>
+              </a:rPr>
+              <a:t>Lengauer-Tarjan algorithm</a:t>
+            </a:r>
+            <a:endParaRPr lang="en-US" sz="4800"/>
+          </a:p>
+        </p:txBody>
+      </p:sp>
+      <p:sp>
+        <p:nvSpPr>
+          <p:cNvPr id="3" name="Content Placeholder 2">
+            <a:extLst>
+              <a:ext uri="{FF2B5EF4-FFF2-40B4-BE49-F238E27FC236}">
+                <a16:creationId xmlns:a16="http://schemas.microsoft.com/office/drawing/2014/main" id="{9A4299C8-3497-6476-1EB4-8A01629BF317}"/>
+              </a:ext>
+            </a:extLst>
+          </p:cNvPr>
+          <p:cNvSpPr>
+            <a:spLocks noGrp="1"/>
+          </p:cNvSpPr>
+          <p:nvPr>
+            <p:ph idx="1"/>
+          </p:nvPr>
+        </p:nvSpPr>
+        <p:spPr>
+          <a:xfrm>
+            <a:off x="1045028" y="3017522"/>
+            <a:ext cx="9941319" cy="3124658"/>
+          </a:xfrm>
+        </p:spPr>
+        <p:txBody>
+          <a:bodyPr vert="horz" lIns="91440" tIns="45720" rIns="91440" bIns="45720" rtlCol="0" anchor="ctr">
+            <a:normAutofit/>
+          </a:bodyPr>
+          <a:lstStyle/>
+          <a:p>
+            <a:r>
+              <a:rPr lang="en-US" sz="2400">
+                <a:cs typeface="Calibri"/>
+              </a:rPr>
+              <a:t>DFS search to set up initial values</a:t>
+            </a:r>
+          </a:p>
+          <a:p>
+            <a:r>
+              <a:rPr lang="en-US" sz="2400">
+                <a:cs typeface="Calibri"/>
+              </a:rPr>
+              <a:t>Compute semi dominators for each node </a:t>
+            </a:r>
+          </a:p>
+          <a:p>
+            <a:r>
+              <a:rPr lang="en-US" sz="2400">
+                <a:cs typeface="Calibri"/>
+              </a:rPr>
+              <a:t>Use semi dominators to compute immediate dominators</a:t>
+            </a:r>
+          </a:p>
+        </p:txBody>
+      </p:sp>
+      <p:cxnSp>
+        <p:nvCxnSpPr>
+          <p:cNvPr id="17" name="Straight Connector 16">
+            <a:extLst>
+              <a:ext uri="{FF2B5EF4-FFF2-40B4-BE49-F238E27FC236}">
+                <a16:creationId xmlns:a16="http://schemas.microsoft.com/office/drawing/2014/main" id="{6CF1BAF6-AD41-4082-B212-8A1F9A2E8779}"/>
+              </a:ext>
+              <a:ext uri="{C183D7F6-B498-43B3-948B-1728B52AA6E4}">
+                <adec:decorative xmlns:adec="http://schemas.microsoft.com/office/drawing/2017/decorative" val="1"/>
+              </a:ext>
+            </a:extLst>
+          </p:cNvPr>
+          <p:cNvCxnSpPr>
+            <a:cxnSpLocks noGrp="1" noRot="1" noChangeAspect="1" noMove="1" noResize="1" noEditPoints="1" noAdjustHandles="1" noChangeArrowheads="1" noChangeShapeType="1"/>
+          </p:cNvCxnSpPr>
+          <p:nvPr>
+            <p:extLst>
+              <p:ext uri="{386F3935-93C4-4BCD-93E2-E3B085C9AB24}">
+                <p16:designElem xmlns:p16="http://schemas.microsoft.com/office/powerpoint/2015/main" val="1"/>
+              </p:ext>
+            </p:extLst>
+          </p:nvPr>
+        </p:nvCxnSpPr>
+        <p:spPr>
+          <a:xfrm flipH="1">
+            <a:off x="838200" y="6485313"/>
+            <a:ext cx="10515600" cy="0"/>
+          </a:xfrm>
+          <a:prstGeom prst="line">
+            <a:avLst/>
+          </a:prstGeom>
+          <a:ln w="57150">
+            <a:solidFill>
+              <a:schemeClr val="accent4"/>
+            </a:solidFill>
+          </a:ln>
+        </p:spPr>
+        <p:style>
+          <a:lnRef idx="1">
+            <a:schemeClr val="accent1"/>
+          </a:lnRef>
+          <a:fillRef idx="0">
+            <a:schemeClr val="accent1"/>
+          </a:fillRef>
+          <a:effectRef idx="0">
+            <a:schemeClr val="accent1"/>
+          </a:effectRef>
+          <a:fontRef idx="minor">
+            <a:schemeClr val="tx1"/>
+          </a:fontRef>
+        </p:style>
+      </p:cxnSp>
+    </p:spTree>
+    <p:extLst>
+      <p:ext uri="{BB962C8B-B14F-4D97-AF65-F5344CB8AC3E}">
+        <p14:creationId xmlns:p14="http://schemas.microsoft.com/office/powerpoint/2010/main" val="4292976077"/>
+      </p:ext>
+    </p:extLst>
+  </p:cSld>
+  <p:clrMapOvr>
+    <a:masterClrMapping/>
+  </p:clrMapOvr>
+</p:sld>
+</file>
+
+<file path=ppt/slides/slide16.xml><?xml version="1.0" encoding="utf-8"?>
+<p:sld xmlns:a="http://schemas.openxmlformats.org/drawingml/2006/main" xmlns:r="http://schemas.openxmlformats.org/officeDocument/2006/relationships" xmlns:p="http://schemas.openxmlformats.org/presentationml/2006/main">
+  <p:cSld>
+    <p:spTree>
+      <p:nvGrpSpPr>
+        <p:cNvPr id="1" name=""/>
+        <p:cNvGrpSpPr/>
+        <p:nvPr/>
+      </p:nvGrpSpPr>
+      <p:grpSpPr>
+        <a:xfrm>
+          <a:off x="0" y="0"/>
+          <a:ext cx="0" cy="0"/>
+          <a:chOff x="0" y="0"/>
+          <a:chExt cx="0" cy="0"/>
+        </a:xfrm>
+      </p:grpSpPr>
+      <p:sp>
+        <p:nvSpPr>
+          <p:cNvPr id="2" name="Title 1">
+            <a:extLst>
+              <a:ext uri="{FF2B5EF4-FFF2-40B4-BE49-F238E27FC236}">
+                <a16:creationId xmlns:a16="http://schemas.microsoft.com/office/drawing/2014/main" id="{B7809ED2-9851-8596-BF55-24F5645560E7}"/>
+              </a:ext>
+            </a:extLst>
+          </p:cNvPr>
+          <p:cNvSpPr>
+            <a:spLocks noGrp="1"/>
+          </p:cNvSpPr>
+          <p:nvPr>
+            <p:ph type="title"/>
+          </p:nvPr>
+        </p:nvSpPr>
+        <p:spPr/>
+        <p:txBody>
+          <a:bodyPr/>
+          <a:lstStyle/>
+          <a:p>
+            <a:r>
+              <a:rPr lang="en-US" dirty="0">
+                <a:ea typeface="Calibri Light"/>
+                <a:cs typeface="Calibri Light"/>
+              </a:rPr>
+              <a:t>Main difference to regular dominator trees</a:t>
+            </a:r>
+            <a:endParaRPr lang="en-US" dirty="0"/>
+          </a:p>
+        </p:txBody>
+      </p:sp>
+      <p:sp>
+        <p:nvSpPr>
+          <p:cNvPr id="3" name="Content Placeholder 2">
+            <a:extLst>
+              <a:ext uri="{FF2B5EF4-FFF2-40B4-BE49-F238E27FC236}">
+                <a16:creationId xmlns:a16="http://schemas.microsoft.com/office/drawing/2014/main" id="{0B2D77DD-D1BB-531F-7A09-2A8BAE0CBEA1}"/>
+              </a:ext>
+            </a:extLst>
+          </p:cNvPr>
+          <p:cNvSpPr>
+            <a:spLocks noGrp="1"/>
+          </p:cNvSpPr>
+          <p:nvPr>
+            <p:ph idx="1"/>
+          </p:nvPr>
+        </p:nvSpPr>
+        <p:spPr/>
+        <p:txBody>
+          <a:bodyPr vert="horz" lIns="91440" tIns="45720" rIns="91440" bIns="45720" rtlCol="0" anchor="t">
+            <a:normAutofit/>
+          </a:bodyPr>
+          <a:lstStyle/>
+          <a:p>
+            <a:r>
+              <a:rPr lang="en-US">
+                <a:ea typeface="Calibri"/>
+                <a:cs typeface="Calibri"/>
+              </a:rPr>
+              <a:t>DFS traversal is started from exit basic block instead of the start</a:t>
+            </a:r>
+          </a:p>
+          <a:p>
+            <a:r>
+              <a:rPr lang="en-US" dirty="0">
+                <a:ea typeface="Calibri"/>
+                <a:cs typeface="Calibri"/>
+              </a:rPr>
+              <a:t>When linking nodes iterate through predecessors instead of successors</a:t>
+            </a:r>
+          </a:p>
+        </p:txBody>
+      </p:sp>
+      <p:pic>
+        <p:nvPicPr>
+          <p:cNvPr id="4" name="Picture 4" descr="Text&#10;&#10;Description automatically generated">
+            <a:extLst>
+              <a:ext uri="{FF2B5EF4-FFF2-40B4-BE49-F238E27FC236}">
+                <a16:creationId xmlns:a16="http://schemas.microsoft.com/office/drawing/2014/main" id="{91FF9D13-D568-3126-07ED-4E7E941A4795}"/>
+              </a:ext>
+            </a:extLst>
+          </p:cNvPr>
+          <p:cNvPicPr>
+            <a:picLocks noChangeAspect="1"/>
+          </p:cNvPicPr>
+          <p:nvPr/>
+        </p:nvPicPr>
+        <p:blipFill>
+          <a:blip r:embed="rId2"/>
+          <a:stretch>
+            <a:fillRect/>
+          </a:stretch>
+        </p:blipFill>
+        <p:spPr>
+          <a:xfrm>
+            <a:off x="496359" y="3425356"/>
+            <a:ext cx="3743325" cy="3146425"/>
+          </a:xfrm>
+          <a:prstGeom prst="rect">
+            <a:avLst/>
+          </a:prstGeom>
+        </p:spPr>
+      </p:pic>
+      <p:pic>
+        <p:nvPicPr>
+          <p:cNvPr id="5" name="Picture 5">
+            <a:extLst>
+              <a:ext uri="{FF2B5EF4-FFF2-40B4-BE49-F238E27FC236}">
+                <a16:creationId xmlns:a16="http://schemas.microsoft.com/office/drawing/2014/main" id="{8060AD3C-A123-FB10-1CB3-D4480156E9F1}"/>
+              </a:ext>
+            </a:extLst>
+          </p:cNvPr>
+          <p:cNvPicPr>
+            <a:picLocks noChangeAspect="1"/>
+          </p:cNvPicPr>
+          <p:nvPr/>
+        </p:nvPicPr>
+        <p:blipFill>
+          <a:blip r:embed="rId3"/>
+          <a:stretch>
+            <a:fillRect/>
+          </a:stretch>
+        </p:blipFill>
+        <p:spPr>
+          <a:xfrm>
+            <a:off x="4348104" y="3311215"/>
+            <a:ext cx="7493940" cy="3057791"/>
+          </a:xfrm>
+          <a:prstGeom prst="rect">
+            <a:avLst/>
+          </a:prstGeom>
+        </p:spPr>
+      </p:pic>
+    </p:spTree>
+    <p:extLst>
+      <p:ext uri="{BB962C8B-B14F-4D97-AF65-F5344CB8AC3E}">
+        <p14:creationId xmlns:p14="http://schemas.microsoft.com/office/powerpoint/2010/main" val="3045214150"/>
+      </p:ext>
+    </p:extLst>
+  </p:cSld>
+  <p:clrMapOvr>
+    <a:masterClrMapping/>
+  </p:clrMapOvr>
+</p:sld>
+</file>
+
+<file path=ppt/slides/slide17.xml><?xml version="1.0" encoding="utf-8"?>
+<p:sld xmlns:a="http://schemas.openxmlformats.org/drawingml/2006/main" xmlns:r="http://schemas.openxmlformats.org/officeDocument/2006/relationships" xmlns:p="http://schemas.openxmlformats.org/presentationml/2006/main">
+  <p:cSld>
+    <p:spTree>
+      <p:nvGrpSpPr>
+        <p:cNvPr id="1" name=""/>
+        <p:cNvGrpSpPr/>
+        <p:nvPr/>
+      </p:nvGrpSpPr>
+      <p:grpSpPr>
+        <a:xfrm>
+          <a:off x="0" y="0"/>
+          <a:ext cx="0" cy="0"/>
+          <a:chOff x="0" y="0"/>
+          <a:chExt cx="0" cy="0"/>
+        </a:xfrm>
+      </p:grpSpPr>
+      <p:pic>
+        <p:nvPicPr>
+          <p:cNvPr id="4" name="Picture 4">
+            <a:extLst>
+              <a:ext uri="{FF2B5EF4-FFF2-40B4-BE49-F238E27FC236}">
+                <a16:creationId xmlns:a16="http://schemas.microsoft.com/office/drawing/2014/main" id="{68660F70-A6A2-DE9A-2CBA-743CDDD25A6B}"/>
+              </a:ext>
+            </a:extLst>
+          </p:cNvPr>
+          <p:cNvPicPr>
+            <a:picLocks noGrp="1" noChangeAspect="1"/>
+          </p:cNvPicPr>
+          <p:nvPr>
+            <p:ph idx="1"/>
+          </p:nvPr>
+        </p:nvPicPr>
+        <p:blipFill>
+          <a:blip r:embed="rId2"/>
+          <a:stretch>
+            <a:fillRect/>
+          </a:stretch>
+        </p:blipFill>
+        <p:spPr>
+          <a:xfrm>
+            <a:off x="2356967" y="238860"/>
+            <a:ext cx="6716065" cy="3282126"/>
+          </a:xfrm>
+        </p:spPr>
+      </p:pic>
+      <p:pic>
+        <p:nvPicPr>
+          <p:cNvPr id="5" name="Picture 5">
+            <a:extLst>
+              <a:ext uri="{FF2B5EF4-FFF2-40B4-BE49-F238E27FC236}">
+                <a16:creationId xmlns:a16="http://schemas.microsoft.com/office/drawing/2014/main" id="{119C2CFA-AE31-1FE7-BD85-4D050FB1146D}"/>
+              </a:ext>
+            </a:extLst>
+          </p:cNvPr>
+          <p:cNvPicPr>
+            <a:picLocks noChangeAspect="1"/>
+          </p:cNvPicPr>
+          <p:nvPr/>
+        </p:nvPicPr>
+        <p:blipFill>
+          <a:blip r:embed="rId3"/>
+          <a:stretch>
+            <a:fillRect/>
+          </a:stretch>
+        </p:blipFill>
+        <p:spPr>
+          <a:xfrm>
+            <a:off x="2325512" y="3593716"/>
+            <a:ext cx="6769569" cy="3179527"/>
+          </a:xfrm>
+          <a:prstGeom prst="rect">
+            <a:avLst/>
+          </a:prstGeom>
+        </p:spPr>
+      </p:pic>
+    </p:spTree>
+    <p:extLst>
+      <p:ext uri="{BB962C8B-B14F-4D97-AF65-F5344CB8AC3E}">
+        <p14:creationId xmlns:p14="http://schemas.microsoft.com/office/powerpoint/2010/main" val="1725820787"/>
+      </p:ext>
+    </p:extLst>
+  </p:cSld>
+  <p:clrMapOvr>
+    <a:masterClrMapping/>
+  </p:clrMapOvr>
+</p:sld>
+</file>
+
+<file path=ppt/slides/slide18.xml><?xml version="1.0" encoding="utf-8"?>
+<p:sld xmlns:a="http://schemas.openxmlformats.org/drawingml/2006/main" xmlns:r="http://schemas.openxmlformats.org/officeDocument/2006/relationships" xmlns:p="http://schemas.openxmlformats.org/presentationml/2006/main">
+  <p:cSld>
+    <p:bg>
+      <p:bgPr>
+        <a:solidFill>
+          <a:schemeClr val="bg1"/>
+        </a:solidFill>
+        <a:effectLst/>
+      </p:bgPr>
+    </p:bg>
+    <p:spTree>
+      <p:nvGrpSpPr>
+        <p:cNvPr id="1" name=""/>
+        <p:cNvGrpSpPr/>
+        <p:nvPr/>
+      </p:nvGrpSpPr>
+      <p:grpSpPr>
+        <a:xfrm>
+          <a:off x="0" y="0"/>
+          <a:ext cx="0" cy="0"/>
+          <a:chOff x="0" y="0"/>
+          <a:chExt cx="0" cy="0"/>
+        </a:xfrm>
+      </p:grpSpPr>
+      <p:sp>
+        <p:nvSpPr>
+          <p:cNvPr id="9" name="Rectangle 8">
+            <a:extLst>
+              <a:ext uri="{FF2B5EF4-FFF2-40B4-BE49-F238E27FC236}">
+                <a16:creationId xmlns:a16="http://schemas.microsoft.com/office/drawing/2014/main" id="{F3060C83-F051-4F0E-ABAD-AA0DFC48B218}"/>
+              </a:ext>
+              <a:ext uri="{C183D7F6-B498-43B3-948B-1728B52AA6E4}">
+                <adec:decorative xmlns:adec="http://schemas.microsoft.com/office/drawing/2017/decorative" val="1"/>
+              </a:ext>
+            </a:extLst>
+          </p:cNvPr>
+          <p:cNvSpPr>
+            <a:spLocks noGrp="1" noRot="1" noChangeAspect="1" noMove="1" noResize="1" noEditPoints="1" noAdjustHandles="1" noChangeArrowheads="1" noChangeShapeType="1" noTextEdit="1"/>
+          </p:cNvSpPr>
+          <p:nvPr>
+            <p:extLst>
+              <p:ext uri="{386F3935-93C4-4BCD-93E2-E3B085C9AB24}">
+                <p16:designElem xmlns:p16="http://schemas.microsoft.com/office/powerpoint/2015/main" val="1"/>
+              </p:ext>
+            </p:extLst>
+          </p:nvPr>
+        </p:nvSpPr>
+        <p:spPr>
+          <a:xfrm>
+            <a:off x="0" y="0"/>
+            <a:ext cx="12192000" cy="6858000"/>
+          </a:xfrm>
+          <a:prstGeom prst="rect">
+            <a:avLst/>
+          </a:prstGeom>
+          <a:solidFill>
+            <a:schemeClr val="bg1"/>
+          </a:solidFill>
+          <a:ln>
+            <a:noFill/>
+          </a:ln>
+        </p:spPr>
+        <p:style>
+          <a:lnRef idx="2">
+            <a:schemeClr val="accent1">
+              <a:shade val="50000"/>
+            </a:schemeClr>
+          </a:lnRef>
+          <a:fillRef idx="1">
+            <a:schemeClr val="accent1"/>
+          </a:fillRef>
+          <a:effectRef idx="0">
+            <a:schemeClr val="accent1"/>
+          </a:effectRef>
+          <a:fontRef idx="minor">
+            <a:schemeClr val="lt1"/>
+          </a:fontRef>
+        </p:style>
+        <p:txBody>
+          <a:bodyPr rtlCol="0" anchor="ctr"/>
+          <a:lstStyle/>
+          <a:p>
+            <a:pPr algn="ctr"/>
+            <a:endParaRPr lang="en-US" dirty="0"/>
+          </a:p>
+        </p:txBody>
+      </p:sp>
+      <p:sp>
+        <p:nvSpPr>
+          <p:cNvPr id="11" name="Freeform: Shape 10">
+            <a:extLst>
+              <a:ext uri="{FF2B5EF4-FFF2-40B4-BE49-F238E27FC236}">
+                <a16:creationId xmlns:a16="http://schemas.microsoft.com/office/drawing/2014/main" id="{83C98ABE-055B-441F-B07E-44F97F083C39}"/>
+              </a:ext>
+              <a:ext uri="{C183D7F6-B498-43B3-948B-1728B52AA6E4}">
+                <adec:decorative xmlns:adec="http://schemas.microsoft.com/office/drawing/2017/decorative" val="1"/>
+              </a:ext>
+            </a:extLst>
+          </p:cNvPr>
+          <p:cNvSpPr>
+            <a:spLocks noGrp="1" noRot="1" noChangeAspect="1" noMove="1" noResize="1" noEditPoints="1" noAdjustHandles="1" noChangeArrowheads="1" noChangeShapeType="1" noTextEdit="1"/>
+          </p:cNvSpPr>
+          <p:nvPr>
+            <p:extLst>
+              <p:ext uri="{386F3935-93C4-4BCD-93E2-E3B085C9AB24}">
+                <p16:designElem xmlns:p16="http://schemas.microsoft.com/office/powerpoint/2015/main" val="1"/>
+              </p:ext>
+            </p:extLst>
+          </p:nvPr>
+        </p:nvSpPr>
+        <p:spPr>
+          <a:xfrm rot="18900000" flipH="1">
+            <a:off x="-376156" y="-253670"/>
+            <a:ext cx="1827638" cy="1376989"/>
+          </a:xfrm>
+          <a:custGeom>
+            <a:avLst/>
+            <a:gdLst>
+              <a:gd name="connsiteX0" fmla="*/ 0 w 1827638"/>
+              <a:gd name="connsiteY0" fmla="*/ 987379 h 1376989"/>
+              <a:gd name="connsiteX1" fmla="*/ 987379 w 1827638"/>
+              <a:gd name="connsiteY1" fmla="*/ 0 h 1376989"/>
+              <a:gd name="connsiteX2" fmla="*/ 1827638 w 1827638"/>
+              <a:gd name="connsiteY2" fmla="*/ 840260 h 1376989"/>
+              <a:gd name="connsiteX3" fmla="*/ 1827638 w 1827638"/>
+              <a:gd name="connsiteY3" fmla="*/ 1376989 h 1376989"/>
+              <a:gd name="connsiteX4" fmla="*/ 0 w 1827638"/>
+              <a:gd name="connsiteY4" fmla="*/ 1376989 h 1376989"/>
+            </a:gdLst>
+            <a:ahLst/>
+            <a:cxnLst>
+              <a:cxn ang="0">
+                <a:pos x="connsiteX0" y="connsiteY0"/>
+              </a:cxn>
+              <a:cxn ang="0">
+                <a:pos x="connsiteX1" y="connsiteY1"/>
+              </a:cxn>
+              <a:cxn ang="0">
+                <a:pos x="connsiteX2" y="connsiteY2"/>
+              </a:cxn>
+              <a:cxn ang="0">
+                <a:pos x="connsiteX3" y="connsiteY3"/>
+              </a:cxn>
+              <a:cxn ang="0">
+                <a:pos x="connsiteX4" y="connsiteY4"/>
+              </a:cxn>
+            </a:cxnLst>
+            <a:rect l="l" t="t" r="r" b="b"/>
+            <a:pathLst>
+              <a:path w="1827638" h="1376989">
+                <a:moveTo>
+                  <a:pt x="0" y="987379"/>
+                </a:moveTo>
+                <a:lnTo>
+                  <a:pt x="987379" y="0"/>
+                </a:lnTo>
+                <a:lnTo>
+                  <a:pt x="1827638" y="840260"/>
+                </a:lnTo>
+                <a:lnTo>
+                  <a:pt x="1827638" y="1376989"/>
+                </a:lnTo>
+                <a:lnTo>
+                  <a:pt x="0" y="1376989"/>
+                </a:lnTo>
+                <a:close/>
+              </a:path>
+            </a:pathLst>
+          </a:custGeom>
+          <a:solidFill>
+            <a:schemeClr val="accent1">
+              <a:alpha val="30000"/>
+            </a:schemeClr>
+          </a:solidFill>
+          <a:ln>
+            <a:noFill/>
+          </a:ln>
+        </p:spPr>
+        <p:style>
+          <a:lnRef idx="2">
+            <a:schemeClr val="accent1">
+              <a:shade val="50000"/>
+            </a:schemeClr>
+          </a:lnRef>
+          <a:fillRef idx="1">
+            <a:schemeClr val="accent1"/>
+          </a:fillRef>
+          <a:effectRef idx="0">
+            <a:schemeClr val="accent1"/>
+          </a:effectRef>
+          <a:fontRef idx="minor">
+            <a:schemeClr val="lt1"/>
+          </a:fontRef>
+        </p:style>
+        <p:txBody>
+          <a:bodyPr rtlCol="0" anchor="ctr"/>
+          <a:lstStyle/>
+          <a:p>
+            <a:pPr algn="ctr"/>
+            <a:endParaRPr lang="en-US" dirty="0"/>
+          </a:p>
+        </p:txBody>
+      </p:sp>
+      <p:sp>
+        <p:nvSpPr>
+          <p:cNvPr id="13" name="Rectangle 12">
+            <a:extLst>
+              <a:ext uri="{FF2B5EF4-FFF2-40B4-BE49-F238E27FC236}">
+                <a16:creationId xmlns:a16="http://schemas.microsoft.com/office/drawing/2014/main" id="{29FDB030-9B49-4CED-8CCD-4D99382388AC}"/>
+              </a:ext>
+              <a:ext uri="{C183D7F6-B498-43B3-948B-1728B52AA6E4}">
+                <adec:decorative xmlns:adec="http://schemas.microsoft.com/office/drawing/2017/decorative" val="1"/>
+              </a:ext>
+            </a:extLst>
+          </p:cNvPr>
+          <p:cNvSpPr>
+            <a:spLocks noGrp="1" noRot="1" noChangeAspect="1" noMove="1" noResize="1" noEditPoints="1" noAdjustHandles="1" noChangeArrowheads="1" noChangeShapeType="1" noTextEdit="1"/>
+          </p:cNvSpPr>
+          <p:nvPr>
+            <p:extLst>
+              <p:ext uri="{386F3935-93C4-4BCD-93E2-E3B085C9AB24}">
+                <p16:designElem xmlns:p16="http://schemas.microsoft.com/office/powerpoint/2015/main" val="1"/>
+              </p:ext>
+            </p:extLst>
+          </p:nvPr>
+        </p:nvSpPr>
+        <p:spPr>
+          <a:xfrm rot="18900000" flipH="1">
+            <a:off x="891641" y="422146"/>
+            <a:ext cx="645368" cy="645368"/>
+          </a:xfrm>
+          <a:prstGeom prst="rect">
+            <a:avLst/>
+          </a:prstGeom>
+          <a:solidFill>
+            <a:schemeClr val="accent1">
+              <a:alpha val="30000"/>
+            </a:schemeClr>
+          </a:solidFill>
+          <a:ln>
+            <a:noFill/>
+          </a:ln>
+        </p:spPr>
+        <p:style>
+          <a:lnRef idx="2">
+            <a:schemeClr val="accent1">
+              <a:shade val="50000"/>
+            </a:schemeClr>
+          </a:lnRef>
+          <a:fillRef idx="1">
+            <a:schemeClr val="accent1"/>
+          </a:fillRef>
+          <a:effectRef idx="0">
+            <a:schemeClr val="accent1"/>
+          </a:effectRef>
+          <a:fontRef idx="minor">
+            <a:schemeClr val="lt1"/>
+          </a:fontRef>
+        </p:style>
+        <p:txBody>
+          <a:bodyPr rtlCol="0" anchor="ctr"/>
+          <a:lstStyle/>
+          <a:p>
+            <a:pPr algn="ctr"/>
+            <a:endParaRPr lang="en-US"/>
+          </a:p>
+        </p:txBody>
+      </p:sp>
+      <p:sp>
+        <p:nvSpPr>
+          <p:cNvPr id="15" name="Rectangle 14">
+            <a:extLst>
+              <a:ext uri="{FF2B5EF4-FFF2-40B4-BE49-F238E27FC236}">
+                <a16:creationId xmlns:a16="http://schemas.microsoft.com/office/drawing/2014/main" id="{3783CA14-24A1-485C-8B30-D6A5D87987AD}"/>
+              </a:ext>
+              <a:ext uri="{C183D7F6-B498-43B3-948B-1728B52AA6E4}">
+                <adec:decorative xmlns:adec="http://schemas.microsoft.com/office/drawing/2017/decorative" val="1"/>
+              </a:ext>
+            </a:extLst>
+          </p:cNvPr>
+          <p:cNvSpPr>
+            <a:spLocks noGrp="1" noRot="1" noChangeAspect="1" noMove="1" noResize="1" noEditPoints="1" noAdjustHandles="1" noChangeArrowheads="1" noChangeShapeType="1" noTextEdit="1"/>
+          </p:cNvSpPr>
+          <p:nvPr>
+            <p:extLst>
+              <p:ext uri="{386F3935-93C4-4BCD-93E2-E3B085C9AB24}">
+                <p16:designElem xmlns:p16="http://schemas.microsoft.com/office/powerpoint/2015/main" val="1"/>
+              </p:ext>
+            </p:extLst>
+          </p:nvPr>
+        </p:nvSpPr>
+        <p:spPr>
+          <a:xfrm rot="18900000" flipH="1">
+            <a:off x="10043482" y="655140"/>
+            <a:ext cx="687472" cy="687472"/>
+          </a:xfrm>
+          <a:prstGeom prst="rect">
+            <a:avLst/>
+          </a:prstGeom>
+          <a:solidFill>
+            <a:schemeClr val="accent4">
+              <a:alpha val="30000"/>
+            </a:schemeClr>
+          </a:solidFill>
+          <a:ln>
+            <a:noFill/>
+          </a:ln>
+        </p:spPr>
+        <p:style>
+          <a:lnRef idx="2">
+            <a:schemeClr val="accent1">
+              <a:shade val="50000"/>
+            </a:schemeClr>
+          </a:lnRef>
+          <a:fillRef idx="1">
+            <a:schemeClr val="accent1"/>
+          </a:fillRef>
+          <a:effectRef idx="0">
+            <a:schemeClr val="accent1"/>
+          </a:effectRef>
+          <a:fontRef idx="minor">
+            <a:schemeClr val="lt1"/>
+          </a:fontRef>
+        </p:style>
+        <p:txBody>
+          <a:bodyPr rtlCol="0" anchor="ctr"/>
+          <a:lstStyle/>
+          <a:p>
+            <a:pPr algn="ctr"/>
+            <a:endParaRPr lang="en-US"/>
+          </a:p>
+        </p:txBody>
+      </p:sp>
+      <p:sp>
+        <p:nvSpPr>
+          <p:cNvPr id="17" name="Freeform: Shape 16">
+            <a:extLst>
+              <a:ext uri="{FF2B5EF4-FFF2-40B4-BE49-F238E27FC236}">
+                <a16:creationId xmlns:a16="http://schemas.microsoft.com/office/drawing/2014/main" id="{9A97C86A-04D6-40F7-AE84-31AB43E6A846}"/>
+              </a:ext>
+              <a:ext uri="{C183D7F6-B498-43B3-948B-1728B52AA6E4}">
+                <adec:decorative xmlns:adec="http://schemas.microsoft.com/office/drawing/2017/decorative" val="1"/>
+              </a:ext>
+            </a:extLst>
+          </p:cNvPr>
+          <p:cNvSpPr>
+            <a:spLocks noGrp="1" noRot="1" noChangeAspect="1" noMove="1" noResize="1" noEditPoints="1" noAdjustHandles="1" noChangeArrowheads="1" noChangeShapeType="1" noTextEdit="1"/>
+          </p:cNvSpPr>
+          <p:nvPr>
+            <p:extLst>
+              <p:ext uri="{386F3935-93C4-4BCD-93E2-E3B085C9AB24}">
+                <p16:designElem xmlns:p16="http://schemas.microsoft.com/office/powerpoint/2015/main" val="1"/>
+              </p:ext>
+            </p:extLst>
+          </p:nvPr>
+        </p:nvSpPr>
+        <p:spPr>
+          <a:xfrm rot="10800000" flipH="1">
+            <a:off x="9356643" y="0"/>
+            <a:ext cx="2835357" cy="1480837"/>
+          </a:xfrm>
+          <a:custGeom>
+            <a:avLst/>
+            <a:gdLst>
+              <a:gd name="connsiteX0" fmla="*/ 2835357 w 2835357"/>
+              <a:gd name="connsiteY0" fmla="*/ 1480837 h 1480837"/>
+              <a:gd name="connsiteX1" fmla="*/ 0 w 2835357"/>
+              <a:gd name="connsiteY1" fmla="*/ 1480837 h 1480837"/>
+              <a:gd name="connsiteX2" fmla="*/ 1552727 w 2835357"/>
+              <a:gd name="connsiteY2" fmla="*/ 0 h 1480837"/>
+              <a:gd name="connsiteX3" fmla="*/ 2835357 w 2835357"/>
+              <a:gd name="connsiteY3" fmla="*/ 1223245 h 1480837"/>
+            </a:gdLst>
+            <a:ahLst/>
+            <a:cxnLst>
+              <a:cxn ang="0">
+                <a:pos x="connsiteX0" y="connsiteY0"/>
+              </a:cxn>
+              <a:cxn ang="0">
+                <a:pos x="connsiteX1" y="connsiteY1"/>
+              </a:cxn>
+              <a:cxn ang="0">
+                <a:pos x="connsiteX2" y="connsiteY2"/>
+              </a:cxn>
+              <a:cxn ang="0">
+                <a:pos x="connsiteX3" y="connsiteY3"/>
+              </a:cxn>
+            </a:cxnLst>
+            <a:rect l="l" t="t" r="r" b="b"/>
+            <a:pathLst>
+              <a:path w="2835357" h="1480837">
+                <a:moveTo>
+                  <a:pt x="2835357" y="1480837"/>
+                </a:moveTo>
+                <a:lnTo>
+                  <a:pt x="0" y="1480837"/>
+                </a:lnTo>
+                <a:lnTo>
+                  <a:pt x="1552727" y="0"/>
+                </a:lnTo>
+                <a:lnTo>
+                  <a:pt x="2835357" y="1223245"/>
+                </a:lnTo>
+                <a:close/>
+              </a:path>
+            </a:pathLst>
+          </a:custGeom>
+          <a:solidFill>
+            <a:schemeClr val="accent4">
+              <a:alpha val="30000"/>
+            </a:schemeClr>
+          </a:solidFill>
+          <a:ln>
+            <a:noFill/>
+          </a:ln>
+        </p:spPr>
+        <p:style>
+          <a:lnRef idx="2">
+            <a:schemeClr val="accent1">
+              <a:shade val="50000"/>
+            </a:schemeClr>
+          </a:lnRef>
+          <a:fillRef idx="1">
+            <a:schemeClr val="accent1"/>
+          </a:fillRef>
+          <a:effectRef idx="0">
+            <a:schemeClr val="accent1"/>
+          </a:effectRef>
+          <a:fontRef idx="minor">
+            <a:schemeClr val="lt1"/>
+          </a:fontRef>
+        </p:style>
+        <p:txBody>
+          <a:bodyPr wrap="square" rtlCol="0" anchor="ctr">
+            <a:noAutofit/>
+          </a:bodyPr>
+          <a:lstStyle/>
+          <a:p>
+            <a:pPr algn="ctr"/>
+            <a:endParaRPr lang="en-US" dirty="0"/>
+          </a:p>
+        </p:txBody>
+      </p:sp>
+      <p:sp>
+        <p:nvSpPr>
+          <p:cNvPr id="19" name="Isosceles Triangle 18">
+            <a:extLst>
+              <a:ext uri="{FF2B5EF4-FFF2-40B4-BE49-F238E27FC236}">
+                <a16:creationId xmlns:a16="http://schemas.microsoft.com/office/drawing/2014/main" id="{FF9F2414-84E8-453E-B1F3-389FDE8192D9}"/>
+              </a:ext>
+              <a:ext uri="{C183D7F6-B498-43B3-948B-1728B52AA6E4}">
+                <adec:decorative xmlns:adec="http://schemas.microsoft.com/office/drawing/2017/decorative" val="1"/>
+              </a:ext>
+            </a:extLst>
+          </p:cNvPr>
+          <p:cNvSpPr>
+            <a:spLocks noGrp="1" noRot="1" noChangeAspect="1" noMove="1" noResize="1" noEditPoints="1" noAdjustHandles="1" noChangeArrowheads="1" noChangeShapeType="1" noTextEdit="1"/>
+          </p:cNvSpPr>
+          <p:nvPr>
+            <p:extLst>
+              <p:ext uri="{386F3935-93C4-4BCD-93E2-E3B085C9AB24}">
+                <p16:designElem xmlns:p16="http://schemas.microsoft.com/office/powerpoint/2015/main" val="1"/>
+              </p:ext>
+            </p:extLst>
+          </p:nvPr>
+        </p:nvSpPr>
+        <p:spPr>
+          <a:xfrm flipH="1">
+            <a:off x="7976344" y="6115501"/>
+            <a:ext cx="1494513" cy="742499"/>
+          </a:xfrm>
+          <a:prstGeom prst="triangle">
+            <a:avLst/>
+          </a:prstGeom>
+          <a:solidFill>
+            <a:schemeClr val="accent1">
+              <a:alpha val="30000"/>
+            </a:schemeClr>
+          </a:solidFill>
+          <a:ln>
+            <a:noFill/>
+          </a:ln>
+        </p:spPr>
+        <p:style>
+          <a:lnRef idx="2">
+            <a:schemeClr val="accent1">
+              <a:shade val="50000"/>
+            </a:schemeClr>
+          </a:lnRef>
+          <a:fillRef idx="1">
+            <a:schemeClr val="accent1"/>
+          </a:fillRef>
+          <a:effectRef idx="0">
+            <a:schemeClr val="accent1"/>
+          </a:effectRef>
+          <a:fontRef idx="minor">
+            <a:schemeClr val="lt1"/>
+          </a:fontRef>
+        </p:style>
+        <p:txBody>
+          <a:bodyPr rtlCol="0" anchor="ctr"/>
+          <a:lstStyle/>
+          <a:p>
+            <a:pPr algn="ctr"/>
+            <a:endParaRPr lang="en-US"/>
+          </a:p>
+        </p:txBody>
+      </p:sp>
+      <p:pic>
+        <p:nvPicPr>
+          <p:cNvPr id="4" name="Picture 4" descr="Diagram&#10;&#10;Description automatically generated">
+            <a:extLst>
+              <a:ext uri="{FF2B5EF4-FFF2-40B4-BE49-F238E27FC236}">
+                <a16:creationId xmlns:a16="http://schemas.microsoft.com/office/drawing/2014/main" id="{F44F44C6-CE4F-A05B-4DFE-CD3182C075CF}"/>
+              </a:ext>
+            </a:extLst>
+          </p:cNvPr>
+          <p:cNvPicPr>
+            <a:picLocks noGrp="1" noChangeAspect="1"/>
+          </p:cNvPicPr>
+          <p:nvPr>
+            <p:ph idx="1"/>
+          </p:nvPr>
+        </p:nvPicPr>
+        <p:blipFill>
+          <a:blip r:embed="rId2"/>
+          <a:stretch>
+            <a:fillRect/>
+          </a:stretch>
+        </p:blipFill>
+        <p:spPr>
+          <a:xfrm>
+            <a:off x="2094963" y="643467"/>
+            <a:ext cx="8002073" cy="5571065"/>
+          </a:xfrm>
+          <a:prstGeom prst="rect">
+            <a:avLst/>
+          </a:prstGeom>
+          <a:ln>
+            <a:noFill/>
+          </a:ln>
+        </p:spPr>
+      </p:pic>
+      <p:sp>
+        <p:nvSpPr>
+          <p:cNvPr id="21" name="Isosceles Triangle 20">
+            <a:extLst>
+              <a:ext uri="{FF2B5EF4-FFF2-40B4-BE49-F238E27FC236}">
+                <a16:creationId xmlns:a16="http://schemas.microsoft.com/office/drawing/2014/main" id="{3ECA69A1-7536-43AC-85EF-C7106179F5ED}"/>
+              </a:ext>
+              <a:ext uri="{C183D7F6-B498-43B3-948B-1728B52AA6E4}">
+                <adec:decorative xmlns:adec="http://schemas.microsoft.com/office/drawing/2017/decorative" val="1"/>
+              </a:ext>
+            </a:extLst>
+          </p:cNvPr>
+          <p:cNvSpPr>
+            <a:spLocks noGrp="1" noRot="1" noChangeAspect="1" noMove="1" noResize="1" noEditPoints="1" noAdjustHandles="1" noChangeArrowheads="1" noChangeShapeType="1" noTextEdit="1"/>
+          </p:cNvSpPr>
+          <p:nvPr>
+            <p:extLst>
+              <p:ext uri="{386F3935-93C4-4BCD-93E2-E3B085C9AB24}">
+                <p16:designElem xmlns:p16="http://schemas.microsoft.com/office/powerpoint/2015/main" val="1"/>
+              </p:ext>
+            </p:extLst>
+          </p:nvPr>
+        </p:nvSpPr>
+        <p:spPr>
+          <a:xfrm flipH="1">
+            <a:off x="7604080" y="6453143"/>
+            <a:ext cx="814903" cy="404857"/>
+          </a:xfrm>
+          <a:prstGeom prst="triangle">
+            <a:avLst/>
+          </a:prstGeom>
+          <a:solidFill>
+            <a:schemeClr val="accent1">
+              <a:alpha val="30000"/>
+            </a:schemeClr>
+          </a:solidFill>
+          <a:ln>
+            <a:noFill/>
+          </a:ln>
+        </p:spPr>
+        <p:style>
+          <a:lnRef idx="2">
+            <a:schemeClr val="accent1">
+              <a:shade val="50000"/>
+            </a:schemeClr>
+          </a:lnRef>
+          <a:fillRef idx="1">
+            <a:schemeClr val="accent1"/>
+          </a:fillRef>
+          <a:effectRef idx="0">
+            <a:schemeClr val="accent1"/>
+          </a:effectRef>
+          <a:fontRef idx="minor">
+            <a:schemeClr val="lt1"/>
+          </a:fontRef>
+        </p:style>
+        <p:txBody>
+          <a:bodyPr rtlCol="0" anchor="ctr"/>
+          <a:lstStyle/>
+          <a:p>
+            <a:pPr algn="ctr"/>
+            <a:endParaRPr lang="en-US"/>
+          </a:p>
+        </p:txBody>
+      </p:sp>
+    </p:spTree>
+    <p:extLst>
+      <p:ext uri="{BB962C8B-B14F-4D97-AF65-F5344CB8AC3E}">
+        <p14:creationId xmlns:p14="http://schemas.microsoft.com/office/powerpoint/2010/main" val="799493907"/>
       </p:ext>
     </p:extLst>
   </p:cSld>
@@ -9500,12 +11732,12 @@
           <a:lstStyle/>
           <a:p>
             <a:r>
-              <a:rPr lang="en-US" sz="5400">
+              <a:rPr lang="en-US" sz="5400" dirty="0">
                 <a:cs typeface="Calibri Light"/>
               </a:rPr>
               <a:t>Dead Store Elimination</a:t>
             </a:r>
-            <a:endParaRPr lang="en-US" sz="5400"/>
+            <a:endParaRPr lang="en-US" sz="5400" dirty="0"/>
           </a:p>
         </p:txBody>
       </p:sp>
@@ -10510,22 +12742,59 @@
             </a:r>
           </a:p>
           <a:p>
-            <a:pPr marL="166878" indent="-166878" defTabSz="667512">
+            <a:pPr marL="166370" indent="-166370" defTabSz="667512">
               <a:spcBef>
                 <a:spcPts val="730"/>
               </a:spcBef>
             </a:pPr>
             <a:r>
-              <a:rPr lang="en-US" sz="2044" kern="1200">
-                <a:solidFill>
-                  <a:schemeClr val="tx1"/>
-                </a:solidFill>
+              <a:rPr lang="en-US" sz="2000" kern="1200" dirty="0">
                 <a:latin typeface="+mn-lt"/>
                 <a:ea typeface="+mn-ea"/>
                 <a:cs typeface="Calibri"/>
               </a:rPr>
-              <a:t>In this example we delete the 2nd store instruction that assigns value 15 to variable x</a:t>
+              <a:t>In this example we delete the </a:t>
             </a:r>
+            <a:r>
+              <a:rPr lang="en-US" sz="2000" dirty="0">
+                <a:cs typeface="Calibri"/>
+              </a:rPr>
+              <a:t>1st</a:t>
+            </a:r>
+            <a:r>
+              <a:rPr lang="en-US" sz="2000" kern="1200" dirty="0">
+                <a:latin typeface="+mn-lt"/>
+                <a:ea typeface="+mn-ea"/>
+                <a:cs typeface="Calibri"/>
+              </a:rPr>
+              <a:t> store instruction that assigns value </a:t>
+            </a:r>
+            <a:r>
+              <a:rPr lang="en-US" sz="2000">
+                <a:cs typeface="Calibri"/>
+              </a:rPr>
+              <a:t>5</a:t>
+            </a:r>
+            <a:r>
+              <a:rPr lang="en-US" sz="2000" kern="1200">
+                <a:latin typeface="+mn-lt"/>
+                <a:ea typeface="+mn-ea"/>
+                <a:cs typeface="Calibri"/>
+              </a:rPr>
+              <a:t> </a:t>
+            </a:r>
+            <a:r>
+              <a:rPr lang="en-US" sz="2000" kern="1200" dirty="0">
+                <a:latin typeface="+mn-lt"/>
+                <a:ea typeface="+mn-ea"/>
+                <a:cs typeface="Calibri"/>
+              </a:rPr>
+              <a:t>to variable x</a:t>
+            </a:r>
+            <a:endParaRPr lang="en-US" sz="2000" kern="1200" dirty="0">
+              <a:latin typeface="+mn-lt"/>
+              <a:cs typeface="Calibri"/>
+            </a:endParaRPr>
           </a:p>
           <a:p>
             <a:endParaRPr lang="en-US" dirty="0">

--- a/Presentation.pptx
+++ b/Presentation.pptx
@@ -133,6 +133,7 @@
 <p1510:revInfo xmlns:a="http://schemas.openxmlformats.org/drawingml/2006/main" xmlns:r="http://schemas.openxmlformats.org/officeDocument/2006/relationships" xmlns:p1510="http://schemas.microsoft.com/office/powerpoint/2015/10/main">
   <p1510:revLst>
     <p1510:client id="{5C16A9D0-FEC3-41DA-9DDE-7AA7CEF6BCBC}" v="284" dt="2023-06-11T18:36:09.734"/>
+    <p1510:client id="{D1ECAF64-A74B-4480-A3F7-31CC45EF9D74}" v="10" dt="2023-06-12T01:14:47.244"/>
     <p1510:client id="{DFA44EB6-5255-42A0-8412-A0A038F75A4F}" v="1140" dt="2023-06-10T22:01:37.373"/>
     <p1510:client id="{FE185132-7765-4471-898F-5817E8BE813C}" v="61" dt="2023-06-11T19:00:32.590"/>
   </p1510:revLst>
@@ -141,6 +142,30 @@
 
 <file path=ppt/changesInfos/changesInfo1.xml><?xml version="1.0" encoding="utf-8"?>
 <pc:chgInfo xmlns:a="http://schemas.openxmlformats.org/drawingml/2006/main" xmlns:r="http://schemas.openxmlformats.org/officeDocument/2006/relationships" xmlns:ac="http://schemas.microsoft.com/office/drawing/2013/main/command" xmlns:pc="http://schemas.microsoft.com/office/powerpoint/2013/main/command">
+  <pc:docChgLst>
+    <pc:chgData name="Yaze Kuroichi" userId="719e80d437ae0b70" providerId="Windows Live" clId="Web-{D1ECAF64-A74B-4480-A3F7-31CC45EF9D74}"/>
+    <pc:docChg chg="modSld">
+      <pc:chgData name="Yaze Kuroichi" userId="719e80d437ae0b70" providerId="Windows Live" clId="Web-{D1ECAF64-A74B-4480-A3F7-31CC45EF9D74}" dt="2023-06-12T01:14:47.244" v="9" actId="20577"/>
+      <pc:docMkLst>
+        <pc:docMk/>
+      </pc:docMkLst>
+      <pc:sldChg chg="modSp">
+        <pc:chgData name="Yaze Kuroichi" userId="719e80d437ae0b70" providerId="Windows Live" clId="Web-{D1ECAF64-A74B-4480-A3F7-31CC45EF9D74}" dt="2023-06-12T01:14:47.244" v="9" actId="20577"/>
+        <pc:sldMkLst>
+          <pc:docMk/>
+          <pc:sldMk cId="4187963757" sldId="264"/>
+        </pc:sldMkLst>
+        <pc:spChg chg="mod">
+          <ac:chgData name="Yaze Kuroichi" userId="719e80d437ae0b70" providerId="Windows Live" clId="Web-{D1ECAF64-A74B-4480-A3F7-31CC45EF9D74}" dt="2023-06-12T01:14:47.244" v="9" actId="20577"/>
+          <ac:spMkLst>
+            <pc:docMk/>
+            <pc:sldMk cId="4187963757" sldId="264"/>
+            <ac:spMk id="9" creationId="{6BDB4E48-8A8D-93CF-8B46-2B7389A2606E}"/>
+          </ac:spMkLst>
+        </pc:spChg>
+      </pc:sldChg>
+    </pc:docChg>
+  </pc:docChgLst>
   <pc:docChgLst>
     <pc:chgData name="Yaze Kuroichi" userId="719e80d437ae0b70" providerId="Windows Live" clId="Web-{FE185132-7765-4471-898F-5817E8BE813C}"/>
     <pc:docChg chg="modSld sldOrd">
@@ -15535,19 +15560,17 @@
           </a:p>
           <a:p>
             <a:r>
-              <a:rPr lang="en-US" sz="2400" dirty="0">
+              <a:rPr lang="en-US" sz="2400">
+                <a:ea typeface="Calibri"/>
                 <a:cs typeface="Calibri"/>
               </a:rPr>
-              <a:t>Call reachability function recursively if cast succeeds</a:t>
+              <a:t>If cast succeeds global var is</a:t>
             </a:r>
-          </a:p>
-          <a:p>
-            <a:r>
-              <a:rPr lang="en-US" dirty="0">
-                <a:cs typeface="Calibri"/>
-              </a:rPr>
-              <a:t>Uses a set to mark visited variables</a:t>
-            </a:r>
+            <a:endParaRPr lang="en-US" sz="2400" dirty="0">
+              <a:cs typeface="Calibri"/>
+            </a:endParaRPr>
+          </a:p>
+          <a:p>
             <a:endParaRPr lang="en-US" dirty="0"/>
           </a:p>
         </p:txBody>
